--- a/导引/第1讲 日常活动中的计算思维/第1讲 日常活动中的计算思维.pptx
+++ b/导引/第1讲 日常活动中的计算思维/第1讲 日常活动中的计算思维.pptx
@@ -5,117 +5,119 @@
     <p:sldMasterId id="2147483659" r:id="rId1"/>
   </p:sldMasterIdLst>
   <p:notesMasterIdLst>
-    <p:notesMasterId r:id="rId58"/>
+    <p:notesMasterId r:id="rId60"/>
   </p:notesMasterIdLst>
   <p:sldIdLst>
     <p:sldId id="256" r:id="rId2"/>
     <p:sldId id="307" r:id="rId3"/>
-    <p:sldId id="311" r:id="rId4"/>
-    <p:sldId id="308" r:id="rId5"/>
-    <p:sldId id="309" r:id="rId6"/>
-    <p:sldId id="310" r:id="rId7"/>
-    <p:sldId id="257" r:id="rId8"/>
-    <p:sldId id="306" r:id="rId9"/>
-    <p:sldId id="258" r:id="rId10"/>
-    <p:sldId id="259" r:id="rId11"/>
-    <p:sldId id="260" r:id="rId12"/>
-    <p:sldId id="261" r:id="rId13"/>
-    <p:sldId id="262" r:id="rId14"/>
-    <p:sldId id="263" r:id="rId15"/>
-    <p:sldId id="264" r:id="rId16"/>
-    <p:sldId id="265" r:id="rId17"/>
-    <p:sldId id="266" r:id="rId18"/>
-    <p:sldId id="267" r:id="rId19"/>
-    <p:sldId id="268" r:id="rId20"/>
-    <p:sldId id="269" r:id="rId21"/>
-    <p:sldId id="270" r:id="rId22"/>
-    <p:sldId id="271" r:id="rId23"/>
-    <p:sldId id="272" r:id="rId24"/>
-    <p:sldId id="273" r:id="rId25"/>
-    <p:sldId id="274" r:id="rId26"/>
-    <p:sldId id="275" r:id="rId27"/>
-    <p:sldId id="276" r:id="rId28"/>
-    <p:sldId id="277" r:id="rId29"/>
-    <p:sldId id="278" r:id="rId30"/>
-    <p:sldId id="279" r:id="rId31"/>
-    <p:sldId id="280" r:id="rId32"/>
-    <p:sldId id="281" r:id="rId33"/>
-    <p:sldId id="282" r:id="rId34"/>
-    <p:sldId id="283" r:id="rId35"/>
-    <p:sldId id="284" r:id="rId36"/>
-    <p:sldId id="285" r:id="rId37"/>
-    <p:sldId id="286" r:id="rId38"/>
-    <p:sldId id="287" r:id="rId39"/>
-    <p:sldId id="288" r:id="rId40"/>
-    <p:sldId id="289" r:id="rId41"/>
-    <p:sldId id="290" r:id="rId42"/>
-    <p:sldId id="291" r:id="rId43"/>
-    <p:sldId id="292" r:id="rId44"/>
-    <p:sldId id="293" r:id="rId45"/>
-    <p:sldId id="294" r:id="rId46"/>
-    <p:sldId id="295" r:id="rId47"/>
-    <p:sldId id="296" r:id="rId48"/>
-    <p:sldId id="297" r:id="rId49"/>
-    <p:sldId id="298" r:id="rId50"/>
-    <p:sldId id="299" r:id="rId51"/>
-    <p:sldId id="300" r:id="rId52"/>
-    <p:sldId id="301" r:id="rId53"/>
-    <p:sldId id="302" r:id="rId54"/>
-    <p:sldId id="303" r:id="rId55"/>
-    <p:sldId id="304" r:id="rId56"/>
-    <p:sldId id="305" r:id="rId57"/>
+    <p:sldId id="312" r:id="rId4"/>
+    <p:sldId id="313" r:id="rId5"/>
+    <p:sldId id="311" r:id="rId6"/>
+    <p:sldId id="308" r:id="rId7"/>
+    <p:sldId id="309" r:id="rId8"/>
+    <p:sldId id="310" r:id="rId9"/>
+    <p:sldId id="257" r:id="rId10"/>
+    <p:sldId id="306" r:id="rId11"/>
+    <p:sldId id="258" r:id="rId12"/>
+    <p:sldId id="259" r:id="rId13"/>
+    <p:sldId id="260" r:id="rId14"/>
+    <p:sldId id="261" r:id="rId15"/>
+    <p:sldId id="262" r:id="rId16"/>
+    <p:sldId id="263" r:id="rId17"/>
+    <p:sldId id="264" r:id="rId18"/>
+    <p:sldId id="265" r:id="rId19"/>
+    <p:sldId id="266" r:id="rId20"/>
+    <p:sldId id="267" r:id="rId21"/>
+    <p:sldId id="268" r:id="rId22"/>
+    <p:sldId id="269" r:id="rId23"/>
+    <p:sldId id="270" r:id="rId24"/>
+    <p:sldId id="271" r:id="rId25"/>
+    <p:sldId id="272" r:id="rId26"/>
+    <p:sldId id="273" r:id="rId27"/>
+    <p:sldId id="274" r:id="rId28"/>
+    <p:sldId id="275" r:id="rId29"/>
+    <p:sldId id="276" r:id="rId30"/>
+    <p:sldId id="277" r:id="rId31"/>
+    <p:sldId id="278" r:id="rId32"/>
+    <p:sldId id="279" r:id="rId33"/>
+    <p:sldId id="280" r:id="rId34"/>
+    <p:sldId id="281" r:id="rId35"/>
+    <p:sldId id="282" r:id="rId36"/>
+    <p:sldId id="283" r:id="rId37"/>
+    <p:sldId id="284" r:id="rId38"/>
+    <p:sldId id="285" r:id="rId39"/>
+    <p:sldId id="286" r:id="rId40"/>
+    <p:sldId id="287" r:id="rId41"/>
+    <p:sldId id="288" r:id="rId42"/>
+    <p:sldId id="289" r:id="rId43"/>
+    <p:sldId id="290" r:id="rId44"/>
+    <p:sldId id="291" r:id="rId45"/>
+    <p:sldId id="292" r:id="rId46"/>
+    <p:sldId id="293" r:id="rId47"/>
+    <p:sldId id="294" r:id="rId48"/>
+    <p:sldId id="295" r:id="rId49"/>
+    <p:sldId id="296" r:id="rId50"/>
+    <p:sldId id="297" r:id="rId51"/>
+    <p:sldId id="298" r:id="rId52"/>
+    <p:sldId id="299" r:id="rId53"/>
+    <p:sldId id="300" r:id="rId54"/>
+    <p:sldId id="301" r:id="rId55"/>
+    <p:sldId id="302" r:id="rId56"/>
+    <p:sldId id="303" r:id="rId57"/>
+    <p:sldId id="304" r:id="rId58"/>
+    <p:sldId id="305" r:id="rId59"/>
   </p:sldIdLst>
   <p:sldSz cx="9144000" cy="5143500" type="screen16x9"/>
   <p:notesSz cx="6858000" cy="9144000"/>
   <p:embeddedFontLst>
     <p:embeddedFont>
       <p:font typeface="SimHei" panose="02010609060101010101" pitchFamily="49" charset="-122"/>
-      <p:regular r:id="rId59"/>
+      <p:regular r:id="rId61"/>
     </p:embeddedFont>
     <p:embeddedFont>
       <p:font typeface="Consolas" panose="020B0609020204030204" pitchFamily="49" charset="0"/>
-      <p:regular r:id="rId60"/>
-      <p:bold r:id="rId61"/>
-      <p:italic r:id="rId62"/>
-      <p:boldItalic r:id="rId63"/>
+      <p:regular r:id="rId62"/>
+      <p:bold r:id="rId63"/>
+      <p:italic r:id="rId64"/>
+      <p:boldItalic r:id="rId65"/>
     </p:embeddedFont>
     <p:embeddedFont>
       <p:font typeface="Open Sans" pitchFamily="2" charset="0"/>
-      <p:regular r:id="rId64"/>
-      <p:bold r:id="rId65"/>
-      <p:italic r:id="rId66"/>
-      <p:boldItalic r:id="rId67"/>
+      <p:regular r:id="rId66"/>
+      <p:bold r:id="rId67"/>
+      <p:italic r:id="rId68"/>
+      <p:boldItalic r:id="rId69"/>
     </p:embeddedFont>
     <p:embeddedFont>
       <p:font typeface="Open Sans SemiBold" pitchFamily="2" charset="0"/>
-      <p:regular r:id="rId68"/>
-      <p:bold r:id="rId69"/>
-      <p:italic r:id="rId70"/>
-      <p:boldItalic r:id="rId71"/>
+      <p:regular r:id="rId70"/>
+      <p:bold r:id="rId71"/>
+      <p:italic r:id="rId72"/>
+      <p:boldItalic r:id="rId73"/>
     </p:embeddedFont>
     <p:embeddedFont>
       <p:font typeface="Oswald" pitchFamily="2" charset="0"/>
-      <p:regular r:id="rId72"/>
-      <p:bold r:id="rId73"/>
-    </p:embeddedFont>
-    <p:embeddedFont>
-      <p:font typeface="Oswald Medium" pitchFamily="2" charset="0"/>
       <p:regular r:id="rId74"/>
       <p:bold r:id="rId75"/>
     </p:embeddedFont>
     <p:embeddedFont>
-      <p:font typeface="Rubik" pitchFamily="2" charset="-79"/>
+      <p:font typeface="Oswald Medium" pitchFamily="2" charset="0"/>
       <p:regular r:id="rId76"/>
       <p:bold r:id="rId77"/>
-      <p:italic r:id="rId78"/>
-      <p:boldItalic r:id="rId79"/>
+    </p:embeddedFont>
+    <p:embeddedFont>
+      <p:font typeface="Rubik" pitchFamily="2" charset="-79"/>
+      <p:regular r:id="rId78"/>
+      <p:bold r:id="rId79"/>
+      <p:italic r:id="rId80"/>
+      <p:boldItalic r:id="rId81"/>
     </p:embeddedFont>
     <p:embeddedFont>
       <p:font typeface="Rubik Medium" pitchFamily="2" charset="-79"/>
-      <p:regular r:id="rId80"/>
-      <p:bold r:id="rId81"/>
-      <p:italic r:id="rId82"/>
-      <p:boldItalic r:id="rId83"/>
+      <p:regular r:id="rId82"/>
+      <p:bold r:id="rId83"/>
+      <p:italic r:id="rId84"/>
+      <p:boldItalic r:id="rId85"/>
     </p:embeddedFont>
   </p:embeddedFontLst>
   <p:defaultTextStyle>
@@ -11676,6 +11678,833 @@
   <p:cSld>
     <p:spTree>
       <p:nvGrpSpPr>
+        <p:cNvPr id="1" name="Shape 61">
+          <a:extLst>
+            <a:ext uri="{FF2B5EF4-FFF2-40B4-BE49-F238E27FC236}">
+              <a16:creationId xmlns:a16="http://schemas.microsoft.com/office/drawing/2014/main" id="{59627FC0-E55B-2F4E-6C08-DFE10367D832}"/>
+            </a:ext>
+          </a:extLst>
+        </p:cNvPr>
+        <p:cNvGrpSpPr/>
+        <p:nvPr/>
+      </p:nvGrpSpPr>
+      <p:grpSpPr>
+        <a:xfrm>
+          <a:off x="0" y="0"/>
+          <a:ext cx="0" cy="0"/>
+          <a:chOff x="0" y="0"/>
+          <a:chExt cx="0" cy="0"/>
+        </a:xfrm>
+      </p:grpSpPr>
+      <p:sp>
+        <p:nvSpPr>
+          <p:cNvPr id="62" name="Google Shape;62;p14">
+            <a:extLst>
+              <a:ext uri="{FF2B5EF4-FFF2-40B4-BE49-F238E27FC236}">
+                <a16:creationId xmlns:a16="http://schemas.microsoft.com/office/drawing/2014/main" id="{7F0DBCBF-9ACA-51D6-434F-52A7EE87253D}"/>
+              </a:ext>
+            </a:extLst>
+          </p:cNvPr>
+          <p:cNvSpPr txBox="1">
+            <a:spLocks noGrp="1"/>
+          </p:cNvSpPr>
+          <p:nvPr>
+            <p:ph type="title"/>
+          </p:nvPr>
+        </p:nvSpPr>
+        <p:spPr>
+          <a:xfrm>
+            <a:off x="311700" y="445025"/>
+            <a:ext cx="8520600" cy="572700"/>
+          </a:xfrm>
+          <a:prstGeom prst="rect">
+            <a:avLst/>
+          </a:prstGeom>
+        </p:spPr>
+        <p:txBody>
+          <a:bodyPr spcFirstLastPara="1" wrap="square" lIns="91425" tIns="91425" rIns="91425" bIns="91425" anchor="t" anchorCtr="0">
+            <a:noAutofit/>
+          </a:bodyPr>
+          <a:lstStyle/>
+          <a:p>
+            <a:pPr marL="0" lvl="0" indent="0" algn="l" rtl="0">
+              <a:spcBef>
+                <a:spcPts val="0"/>
+              </a:spcBef>
+              <a:spcAft>
+                <a:spcPts val="0"/>
+              </a:spcAft>
+              <a:buNone/>
+            </a:pPr>
+            <a:r>
+              <a:rPr lang="en"/>
+              <a:t>Understanding the Words / Atoms of Programming</a:t>
+            </a:r>
+            <a:endParaRPr/>
+          </a:p>
+        </p:txBody>
+      </p:sp>
+      <p:sp>
+        <p:nvSpPr>
+          <p:cNvPr id="63" name="Google Shape;63;p14">
+            <a:extLst>
+              <a:ext uri="{FF2B5EF4-FFF2-40B4-BE49-F238E27FC236}">
+                <a16:creationId xmlns:a16="http://schemas.microsoft.com/office/drawing/2014/main" id="{98E8D85C-AA15-7CAA-6173-742D698123AE}"/>
+              </a:ext>
+            </a:extLst>
+          </p:cNvPr>
+          <p:cNvSpPr txBox="1">
+            <a:spLocks noGrp="1"/>
+          </p:cNvSpPr>
+          <p:nvPr>
+            <p:ph type="sldNum" idx="12"/>
+          </p:nvPr>
+        </p:nvSpPr>
+        <p:spPr>
+          <a:xfrm>
+            <a:off x="8472458" y="4663217"/>
+            <a:ext cx="548700" cy="393600"/>
+          </a:xfrm>
+          <a:prstGeom prst="rect">
+            <a:avLst/>
+          </a:prstGeom>
+        </p:spPr>
+        <p:txBody>
+          <a:bodyPr spcFirstLastPara="1" wrap="square" lIns="91425" tIns="91425" rIns="91425" bIns="91425" anchor="ctr" anchorCtr="0">
+            <a:noAutofit/>
+          </a:bodyPr>
+          <a:lstStyle/>
+          <a:p>
+            <a:pPr marL="0" lvl="0" indent="0" algn="r" rtl="0">
+              <a:spcBef>
+                <a:spcPts val="0"/>
+              </a:spcBef>
+              <a:spcAft>
+                <a:spcPts val="0"/>
+              </a:spcAft>
+              <a:buClr>
+                <a:srgbClr val="000000"/>
+              </a:buClr>
+              <a:buSzPts val="1100"/>
+              <a:buFont typeface="Arial"/>
+              <a:buNone/>
+            </a:pPr>
+            <a:fld id="{00000000-1234-1234-1234-123412341234}" type="slidenum">
+              <a:rPr lang="en"/>
+              <a:t>10</a:t>
+            </a:fld>
+            <a:endParaRPr/>
+          </a:p>
+        </p:txBody>
+      </p:sp>
+      <p:sp>
+        <p:nvSpPr>
+          <p:cNvPr id="64" name="Google Shape;64;p14">
+            <a:extLst>
+              <a:ext uri="{FF2B5EF4-FFF2-40B4-BE49-F238E27FC236}">
+                <a16:creationId xmlns:a16="http://schemas.microsoft.com/office/drawing/2014/main" id="{84794C26-9573-94F6-851B-63A22B1F6EF2}"/>
+              </a:ext>
+            </a:extLst>
+          </p:cNvPr>
+          <p:cNvSpPr txBox="1">
+            <a:spLocks noGrp="1"/>
+          </p:cNvSpPr>
+          <p:nvPr>
+            <p:ph type="body" idx="1"/>
+          </p:nvPr>
+        </p:nvSpPr>
+        <p:spPr>
+          <a:xfrm>
+            <a:off x="311700" y="1152475"/>
+            <a:ext cx="8520600" cy="3416400"/>
+          </a:xfrm>
+          <a:prstGeom prst="rect">
+            <a:avLst/>
+          </a:prstGeom>
+        </p:spPr>
+        <p:txBody>
+          <a:bodyPr spcFirstLastPara="1" wrap="square" lIns="91425" tIns="91425" rIns="91425" bIns="91425" anchor="t" anchorCtr="0">
+            <a:noAutofit/>
+          </a:bodyPr>
+          <a:lstStyle/>
+          <a:p>
+            <a:pPr marL="0" lvl="0" indent="0" algn="l" rtl="0">
+              <a:spcBef>
+                <a:spcPts val="0"/>
+              </a:spcBef>
+              <a:spcAft>
+                <a:spcPts val="0"/>
+              </a:spcAft>
+              <a:buNone/>
+            </a:pPr>
+            <a:r>
+              <a:rPr lang="en" dirty="0"/>
+              <a:t>Python is made up of different kinds of “words” ~ atoms, which can be used to construct sentences and paragraphs (statements and code blocks). Some types of ‘words’ in Python include:</a:t>
+            </a:r>
+            <a:endParaRPr dirty="0"/>
+          </a:p>
+          <a:p>
+            <a:pPr marL="1828800" lvl="0" indent="-342900" algn="l" rtl="0">
+              <a:spcBef>
+                <a:spcPts val="1600"/>
+              </a:spcBef>
+              <a:spcAft>
+                <a:spcPts val="0"/>
+              </a:spcAft>
+              <a:buSzPts val="1800"/>
+              <a:buChar char="-"/>
+            </a:pPr>
+            <a:r>
+              <a:rPr lang="en" dirty="0"/>
+              <a:t>constants </a:t>
+            </a:r>
+            <a:r>
+              <a:rPr lang="en" dirty="0">
+                <a:solidFill>
+                  <a:srgbClr val="CCCCCC"/>
+                </a:solidFill>
+              </a:rPr>
+              <a:t>are values</a:t>
+            </a:r>
+            <a:endParaRPr dirty="0"/>
+          </a:p>
+          <a:p>
+            <a:pPr marL="1828800" lvl="0" indent="-342900" algn="l" rtl="0">
+              <a:spcBef>
+                <a:spcPts val="0"/>
+              </a:spcBef>
+              <a:spcAft>
+                <a:spcPts val="0"/>
+              </a:spcAft>
+              <a:buSzPts val="1800"/>
+              <a:buChar char="-"/>
+            </a:pPr>
+            <a:r>
+              <a:rPr lang="en" dirty="0"/>
+              <a:t>variables</a:t>
+            </a:r>
+            <a:r>
+              <a:rPr lang="en" dirty="0">
+                <a:solidFill>
+                  <a:srgbClr val="CCCCCC"/>
+                </a:solidFill>
+              </a:rPr>
+              <a:t> hold things inside of them</a:t>
+            </a:r>
+            <a:endParaRPr dirty="0"/>
+          </a:p>
+          <a:p>
+            <a:pPr marL="1828800" lvl="0" indent="-342900" algn="l" rtl="0">
+              <a:spcBef>
+                <a:spcPts val="0"/>
+              </a:spcBef>
+              <a:spcAft>
+                <a:spcPts val="0"/>
+              </a:spcAft>
+              <a:buSzPts val="1800"/>
+              <a:buChar char="-"/>
+            </a:pPr>
+            <a:r>
+              <a:rPr lang="en" dirty="0"/>
+              <a:t>reserved words</a:t>
+            </a:r>
+            <a:endParaRPr dirty="0"/>
+          </a:p>
+          <a:p>
+            <a:pPr marL="1828800" lvl="0" indent="-342900" algn="l" rtl="0">
+              <a:spcBef>
+                <a:spcPts val="0"/>
+              </a:spcBef>
+              <a:spcAft>
+                <a:spcPts val="0"/>
+              </a:spcAft>
+              <a:buSzPts val="1800"/>
+              <a:buChar char="-"/>
+            </a:pPr>
+            <a:r>
+              <a:rPr lang="en" dirty="0"/>
+              <a:t>operators</a:t>
+            </a:r>
+            <a:r>
+              <a:rPr lang="en" dirty="0">
+                <a:solidFill>
+                  <a:srgbClr val="CCCCCC"/>
+                </a:solidFill>
+              </a:rPr>
+              <a:t> perform actions</a:t>
+            </a:r>
+            <a:endParaRPr dirty="0">
+              <a:solidFill>
+                <a:srgbClr val="D9D9D9"/>
+              </a:solidFill>
+            </a:endParaRPr>
+          </a:p>
+          <a:p>
+            <a:pPr marL="1828800" lvl="0" indent="-342900" algn="l" rtl="0">
+              <a:spcBef>
+                <a:spcPts val="0"/>
+              </a:spcBef>
+              <a:spcAft>
+                <a:spcPts val="0"/>
+              </a:spcAft>
+              <a:buSzPts val="1800"/>
+              <a:buChar char="-"/>
+            </a:pPr>
+            <a:r>
+              <a:rPr lang="en" dirty="0"/>
+              <a:t>built-in functions </a:t>
+            </a:r>
+            <a:r>
+              <a:rPr lang="en" dirty="0">
+                <a:solidFill>
+                  <a:srgbClr val="CCCCCC"/>
+                </a:solidFill>
+              </a:rPr>
+              <a:t>perform actions</a:t>
+            </a:r>
+            <a:endParaRPr dirty="0">
+              <a:solidFill>
+                <a:srgbClr val="CCCCCC"/>
+              </a:solidFill>
+            </a:endParaRPr>
+          </a:p>
+          <a:p>
+            <a:pPr marL="1828800" lvl="0" indent="-342900" algn="l" rtl="0">
+              <a:spcBef>
+                <a:spcPts val="0"/>
+              </a:spcBef>
+              <a:spcAft>
+                <a:spcPts val="0"/>
+              </a:spcAft>
+              <a:buSzPts val="1800"/>
+              <a:buChar char="-"/>
+            </a:pPr>
+            <a:r>
+              <a:rPr lang="en" dirty="0"/>
+              <a:t>modules</a:t>
+            </a:r>
+            <a:endParaRPr dirty="0"/>
+          </a:p>
+        </p:txBody>
+      </p:sp>
+      <p:grpSp>
+        <p:nvGrpSpPr>
+          <p:cNvPr id="65" name="Google Shape;65;p14">
+            <a:extLst>
+              <a:ext uri="{FF2B5EF4-FFF2-40B4-BE49-F238E27FC236}">
+                <a16:creationId xmlns:a16="http://schemas.microsoft.com/office/drawing/2014/main" id="{70335850-AEAA-3275-9704-E12349CFF182}"/>
+              </a:ext>
+            </a:extLst>
+          </p:cNvPr>
+          <p:cNvGrpSpPr/>
+          <p:nvPr/>
+        </p:nvGrpSpPr>
+        <p:grpSpPr>
+          <a:xfrm>
+            <a:off x="6093925" y="2432775"/>
+            <a:ext cx="1187700" cy="1445700"/>
+            <a:chOff x="5636725" y="2432775"/>
+            <a:chExt cx="1187700" cy="1445700"/>
+          </a:xfrm>
+        </p:grpSpPr>
+        <p:sp>
+          <p:nvSpPr>
+            <p:cNvPr id="66" name="Google Shape;66;p14">
+              <a:extLst>
+                <a:ext uri="{FF2B5EF4-FFF2-40B4-BE49-F238E27FC236}">
+                  <a16:creationId xmlns:a16="http://schemas.microsoft.com/office/drawing/2014/main" id="{4A97716B-AD34-A517-B398-BF779F35F4C5}"/>
+                </a:ext>
+              </a:extLst>
+            </p:cNvPr>
+            <p:cNvSpPr/>
+            <p:nvPr/>
+          </p:nvSpPr>
+          <p:spPr>
+            <a:xfrm>
+              <a:off x="5636725" y="2432775"/>
+              <a:ext cx="224100" cy="1445700"/>
+            </a:xfrm>
+            <a:prstGeom prst="rightBrace">
+              <a:avLst>
+                <a:gd name="adj1" fmla="val 8333"/>
+                <a:gd name="adj2" fmla="val 50000"/>
+              </a:avLst>
+            </a:prstGeom>
+            <a:noFill/>
+            <a:ln w="19050" cap="flat" cmpd="sng">
+              <a:solidFill>
+                <a:schemeClr val="dk2"/>
+              </a:solidFill>
+              <a:prstDash val="solid"/>
+              <a:round/>
+              <a:headEnd type="none" w="sm" len="sm"/>
+              <a:tailEnd type="none" w="sm" len="sm"/>
+            </a:ln>
+          </p:spPr>
+          <p:txBody>
+            <a:bodyPr spcFirstLastPara="1" wrap="square" lIns="91425" tIns="91425" rIns="91425" bIns="91425" anchor="ctr" anchorCtr="0">
+              <a:noAutofit/>
+            </a:bodyPr>
+            <a:lstStyle/>
+            <a:p>
+              <a:pPr marL="0" lvl="0" indent="0" algn="l" rtl="0">
+                <a:spcBef>
+                  <a:spcPts val="0"/>
+                </a:spcBef>
+                <a:spcAft>
+                  <a:spcPts val="0"/>
+                </a:spcAft>
+                <a:buNone/>
+              </a:pPr>
+              <a:endParaRPr>
+                <a:solidFill>
+                  <a:srgbClr val="666666"/>
+                </a:solidFill>
+              </a:endParaRPr>
+            </a:p>
+          </p:txBody>
+        </p:sp>
+        <p:sp>
+          <p:nvSpPr>
+            <p:cNvPr id="67" name="Google Shape;67;p14">
+              <a:extLst>
+                <a:ext uri="{FF2B5EF4-FFF2-40B4-BE49-F238E27FC236}">
+                  <a16:creationId xmlns:a16="http://schemas.microsoft.com/office/drawing/2014/main" id="{C9B48BE8-63B7-3992-FAC7-679C16E9114B}"/>
+                </a:ext>
+              </a:extLst>
+            </p:cNvPr>
+            <p:cNvSpPr txBox="1"/>
+            <p:nvPr/>
+          </p:nvSpPr>
+          <p:spPr>
+            <a:xfrm>
+              <a:off x="6051325" y="2937025"/>
+              <a:ext cx="773100" cy="393600"/>
+            </a:xfrm>
+            <a:prstGeom prst="rect">
+              <a:avLst/>
+            </a:prstGeom>
+            <a:noFill/>
+            <a:ln>
+              <a:noFill/>
+            </a:ln>
+          </p:spPr>
+          <p:txBody>
+            <a:bodyPr spcFirstLastPara="1" wrap="square" lIns="91425" tIns="91425" rIns="91425" bIns="91425" anchor="t" anchorCtr="0">
+              <a:noAutofit/>
+            </a:bodyPr>
+            <a:lstStyle/>
+            <a:p>
+              <a:pPr marL="0" lvl="0" indent="0" algn="l" rtl="0">
+                <a:spcBef>
+                  <a:spcPts val="0"/>
+                </a:spcBef>
+                <a:spcAft>
+                  <a:spcPts val="0"/>
+                </a:spcAft>
+                <a:buNone/>
+              </a:pPr>
+              <a:r>
+                <a:rPr lang="en">
+                  <a:solidFill>
+                    <a:srgbClr val="666666"/>
+                  </a:solidFill>
+                  <a:latin typeface="Rubik"/>
+                  <a:ea typeface="Rubik"/>
+                  <a:cs typeface="Rubik"/>
+                  <a:sym typeface="Rubik"/>
+                </a:rPr>
+                <a:t>TODAY</a:t>
+              </a:r>
+              <a:endParaRPr>
+                <a:solidFill>
+                  <a:srgbClr val="666666"/>
+                </a:solidFill>
+                <a:latin typeface="Rubik"/>
+                <a:ea typeface="Rubik"/>
+                <a:cs typeface="Rubik"/>
+                <a:sym typeface="Rubik"/>
+              </a:endParaRPr>
+            </a:p>
+          </p:txBody>
+        </p:sp>
+      </p:grpSp>
+    </p:spTree>
+    <p:extLst>
+      <p:ext uri="{BB962C8B-B14F-4D97-AF65-F5344CB8AC3E}">
+        <p14:creationId xmlns:p14="http://schemas.microsoft.com/office/powerpoint/2010/main" val="2504584289"/>
+      </p:ext>
+    </p:extLst>
+  </p:cSld>
+  <p:clrMapOvr>
+    <a:masterClrMapping/>
+  </p:clrMapOvr>
+  <p:timing>
+    <p:tnLst>
+      <p:par>
+        <p:cTn id="1" dur="indefinite" restart="never" nodeType="tmRoot">
+          <p:childTnLst>
+            <p:seq concurrent="1" nextAc="seek">
+              <p:cTn id="2" dur="indefinite" nodeType="mainSeq">
+                <p:childTnLst>
+                  <p:par>
+                    <p:cTn id="3" fill="hold">
+                      <p:stCondLst>
+                        <p:cond delay="indefinite"/>
+                      </p:stCondLst>
+                      <p:childTnLst>
+                        <p:par>
+                          <p:cTn id="4" fill="hold">
+                            <p:stCondLst>
+                              <p:cond delay="0"/>
+                            </p:stCondLst>
+                            <p:childTnLst>
+                              <p:par>
+                                <p:cTn id="5" presetID="10" presetClass="entr" presetSubtype="0" fill="hold" nodeType="clickEffect">
+                                  <p:stCondLst>
+                                    <p:cond delay="0"/>
+                                  </p:stCondLst>
+                                  <p:childTnLst>
+                                    <p:set>
+                                      <p:cBhvr>
+                                        <p:cTn id="6" dur="1" fill="hold">
+                                          <p:stCondLst>
+                                            <p:cond delay="0"/>
+                                          </p:stCondLst>
+                                        </p:cTn>
+                                        <p:tgtEl>
+                                          <p:spTgt spid="65"/>
+                                        </p:tgtEl>
+                                        <p:attrNameLst>
+                                          <p:attrName>style.visibility</p:attrName>
+                                        </p:attrNameLst>
+                                      </p:cBhvr>
+                                      <p:to>
+                                        <p:strVal val="visible"/>
+                                      </p:to>
+                                    </p:set>
+                                    <p:animEffect transition="in" filter="fade">
+                                      <p:cBhvr>
+                                        <p:cTn id="7" dur="1"/>
+                                        <p:tgtEl>
+                                          <p:spTgt spid="65"/>
+                                        </p:tgtEl>
+                                      </p:cBhvr>
+                                    </p:animEffect>
+                                  </p:childTnLst>
+                                </p:cTn>
+                              </p:par>
+                            </p:childTnLst>
+                          </p:cTn>
+                        </p:par>
+                      </p:childTnLst>
+                    </p:cTn>
+                  </p:par>
+                </p:childTnLst>
+              </p:cTn>
+              <p:prevCondLst>
+                <p:cond evt="onPrev" delay="0">
+                  <p:tgtEl>
+                    <p:sldTgt/>
+                  </p:tgtEl>
+                </p:cond>
+              </p:prevCondLst>
+              <p:nextCondLst>
+                <p:cond evt="onNext" delay="0">
+                  <p:tgtEl>
+                    <p:sldTgt/>
+                  </p:tgtEl>
+                </p:cond>
+              </p:nextCondLst>
+            </p:seq>
+          </p:childTnLst>
+        </p:cTn>
+      </p:par>
+    </p:tnLst>
+  </p:timing>
+</p:sld>
+</file>
+
+<file path=ppt/slides/slide11.xml><?xml version="1.0" encoding="utf-8"?>
+<p:sld xmlns:a="http://schemas.openxmlformats.org/drawingml/2006/main" xmlns:r="http://schemas.openxmlformats.org/officeDocument/2006/relationships" xmlns:p="http://schemas.openxmlformats.org/presentationml/2006/main">
+  <p:cSld>
+    <p:spTree>
+      <p:nvGrpSpPr>
+        <p:cNvPr id="1" name="Shape 71"/>
+        <p:cNvGrpSpPr/>
+        <p:nvPr/>
+      </p:nvGrpSpPr>
+      <p:grpSpPr>
+        <a:xfrm>
+          <a:off x="0" y="0"/>
+          <a:ext cx="0" cy="0"/>
+          <a:chOff x="0" y="0"/>
+          <a:chExt cx="0" cy="0"/>
+        </a:xfrm>
+      </p:grpSpPr>
+      <p:sp>
+        <p:nvSpPr>
+          <p:cNvPr id="72" name="Google Shape;72;p15"/>
+          <p:cNvSpPr txBox="1">
+            <a:spLocks noGrp="1"/>
+          </p:cNvSpPr>
+          <p:nvPr>
+            <p:ph type="title"/>
+          </p:nvPr>
+        </p:nvSpPr>
+        <p:spPr>
+          <a:xfrm>
+            <a:off x="311700" y="445025"/>
+            <a:ext cx="8520600" cy="572700"/>
+          </a:xfrm>
+          <a:prstGeom prst="rect">
+            <a:avLst/>
+          </a:prstGeom>
+        </p:spPr>
+        <p:txBody>
+          <a:bodyPr spcFirstLastPara="1" wrap="square" lIns="91425" tIns="91425" rIns="91425" bIns="91425" anchor="t" anchorCtr="0">
+            <a:noAutofit/>
+          </a:bodyPr>
+          <a:lstStyle/>
+          <a:p>
+            <a:pPr marL="0" lvl="0" indent="0" algn="l" rtl="0">
+              <a:spcBef>
+                <a:spcPts val="0"/>
+              </a:spcBef>
+              <a:spcAft>
+                <a:spcPts val="0"/>
+              </a:spcAft>
+              <a:buNone/>
+            </a:pPr>
+            <a:r>
+              <a:rPr lang="en"/>
+              <a:t>Outline</a:t>
+            </a:r>
+            <a:endParaRPr/>
+          </a:p>
+        </p:txBody>
+      </p:sp>
+      <p:sp>
+        <p:nvSpPr>
+          <p:cNvPr id="73" name="Google Shape;73;p15"/>
+          <p:cNvSpPr txBox="1">
+            <a:spLocks noGrp="1"/>
+          </p:cNvSpPr>
+          <p:nvPr>
+            <p:ph type="body" idx="1"/>
+          </p:nvPr>
+        </p:nvSpPr>
+        <p:spPr>
+          <a:xfrm>
+            <a:off x="311700" y="1152475"/>
+            <a:ext cx="8520600" cy="3416400"/>
+          </a:xfrm>
+          <a:prstGeom prst="rect">
+            <a:avLst/>
+          </a:prstGeom>
+        </p:spPr>
+        <p:txBody>
+          <a:bodyPr spcFirstLastPara="1" wrap="square" lIns="91425" tIns="91425" rIns="91425" bIns="91425" anchor="t" anchorCtr="0">
+            <a:noAutofit/>
+          </a:bodyPr>
+          <a:lstStyle/>
+          <a:p>
+            <a:pPr marL="0" lvl="0" indent="0" algn="l" rtl="0">
+              <a:spcBef>
+                <a:spcPts val="0"/>
+              </a:spcBef>
+              <a:spcAft>
+                <a:spcPts val="0"/>
+              </a:spcAft>
+              <a:buNone/>
+            </a:pPr>
+            <a:r>
+              <a:rPr lang="en"/>
+              <a:t>Today, we are going to see some examples of different kinds of “words” and some properties of words:</a:t>
+            </a:r>
+            <a:endParaRPr/>
+          </a:p>
+          <a:p>
+            <a:pPr marL="457200" lvl="0" indent="-342900" algn="l" rtl="0">
+              <a:spcBef>
+                <a:spcPts val="1600"/>
+              </a:spcBef>
+              <a:spcAft>
+                <a:spcPts val="0"/>
+              </a:spcAft>
+              <a:buSzPts val="1800"/>
+              <a:buAutoNum type="arabicPeriod"/>
+            </a:pPr>
+            <a:r>
+              <a:rPr lang="en"/>
+              <a:t>Constants</a:t>
+            </a:r>
+            <a:endParaRPr/>
+          </a:p>
+          <a:p>
+            <a:pPr marL="457200" lvl="0" indent="-342900" algn="l" rtl="0">
+              <a:spcBef>
+                <a:spcPts val="0"/>
+              </a:spcBef>
+              <a:spcAft>
+                <a:spcPts val="0"/>
+              </a:spcAft>
+              <a:buSzPts val="1800"/>
+              <a:buAutoNum type="arabicPeriod"/>
+            </a:pPr>
+            <a:r>
+              <a:rPr lang="en"/>
+              <a:t>Variables</a:t>
+            </a:r>
+            <a:endParaRPr/>
+          </a:p>
+          <a:p>
+            <a:pPr marL="457200" lvl="0" indent="-342900" algn="l" rtl="0">
+              <a:spcBef>
+                <a:spcPts val="0"/>
+              </a:spcBef>
+              <a:spcAft>
+                <a:spcPts val="0"/>
+              </a:spcAft>
+              <a:buSzPts val="1800"/>
+              <a:buAutoNum type="arabicPeriod"/>
+            </a:pPr>
+            <a:r>
+              <a:rPr lang="en"/>
+              <a:t>Reserved  words</a:t>
+            </a:r>
+            <a:endParaRPr/>
+          </a:p>
+          <a:p>
+            <a:pPr marL="457200" lvl="0" indent="-342900" algn="l" rtl="0">
+              <a:spcBef>
+                <a:spcPts val="0"/>
+              </a:spcBef>
+              <a:spcAft>
+                <a:spcPts val="0"/>
+              </a:spcAft>
+              <a:buSzPts val="1800"/>
+              <a:buAutoNum type="arabicPeriod"/>
+            </a:pPr>
+            <a:r>
+              <a:rPr lang="en"/>
+              <a:t>Operators</a:t>
+            </a:r>
+            <a:endParaRPr/>
+          </a:p>
+          <a:p>
+            <a:pPr marL="457200" lvl="0" indent="-342900" algn="l" rtl="0">
+              <a:spcBef>
+                <a:spcPts val="0"/>
+              </a:spcBef>
+              <a:spcAft>
+                <a:spcPts val="0"/>
+              </a:spcAft>
+              <a:buSzPts val="1800"/>
+              <a:buAutoNum type="arabicPeriod"/>
+            </a:pPr>
+            <a:r>
+              <a:rPr lang="en"/>
+              <a:t>Data types</a:t>
+            </a:r>
+            <a:endParaRPr/>
+          </a:p>
+          <a:p>
+            <a:pPr marL="457200" lvl="0" indent="-342900" algn="l" rtl="0">
+              <a:spcBef>
+                <a:spcPts val="0"/>
+              </a:spcBef>
+              <a:spcAft>
+                <a:spcPts val="0"/>
+              </a:spcAft>
+              <a:buSzPts val="1800"/>
+              <a:buAutoNum type="arabicPeriod"/>
+            </a:pPr>
+            <a:r>
+              <a:rPr lang="en"/>
+              <a:t>Built-in functions</a:t>
+            </a:r>
+            <a:endParaRPr/>
+          </a:p>
+          <a:p>
+            <a:pPr marL="457200" lvl="0" indent="-342900" algn="l" rtl="0">
+              <a:spcBef>
+                <a:spcPts val="0"/>
+              </a:spcBef>
+              <a:spcAft>
+                <a:spcPts val="0"/>
+              </a:spcAft>
+              <a:buSzPts val="1800"/>
+              <a:buAutoNum type="arabicPeriod"/>
+            </a:pPr>
+            <a:r>
+              <a:rPr lang="en"/>
+              <a:t>Comments</a:t>
+            </a:r>
+            <a:endParaRPr/>
+          </a:p>
+        </p:txBody>
+      </p:sp>
+      <p:sp>
+        <p:nvSpPr>
+          <p:cNvPr id="74" name="Google Shape;74;p15"/>
+          <p:cNvSpPr txBox="1">
+            <a:spLocks noGrp="1"/>
+          </p:cNvSpPr>
+          <p:nvPr>
+            <p:ph type="sldNum" idx="12"/>
+          </p:nvPr>
+        </p:nvSpPr>
+        <p:spPr>
+          <a:xfrm>
+            <a:off x="8472458" y="4663217"/>
+            <a:ext cx="548700" cy="393600"/>
+          </a:xfrm>
+          <a:prstGeom prst="rect">
+            <a:avLst/>
+          </a:prstGeom>
+        </p:spPr>
+        <p:txBody>
+          <a:bodyPr spcFirstLastPara="1" wrap="square" lIns="91425" tIns="91425" rIns="91425" bIns="91425" anchor="ctr" anchorCtr="0">
+            <a:noAutofit/>
+          </a:bodyPr>
+          <a:lstStyle/>
+          <a:p>
+            <a:pPr marL="0" lvl="0" indent="0" algn="r" rtl="0">
+              <a:spcBef>
+                <a:spcPts val="0"/>
+              </a:spcBef>
+              <a:spcAft>
+                <a:spcPts val="0"/>
+              </a:spcAft>
+              <a:buClr>
+                <a:srgbClr val="000000"/>
+              </a:buClr>
+              <a:buSzPts val="1100"/>
+              <a:buFont typeface="Arial"/>
+              <a:buNone/>
+            </a:pPr>
+            <a:fld id="{00000000-1234-1234-1234-123412341234}" type="slidenum">
+              <a:rPr lang="en"/>
+              <a:t>11</a:t>
+            </a:fld>
+            <a:endParaRPr/>
+          </a:p>
+        </p:txBody>
+      </p:sp>
+    </p:spTree>
+  </p:cSld>
+  <p:clrMapOvr>
+    <a:masterClrMapping/>
+  </p:clrMapOvr>
+</p:sld>
+</file>
+
+<file path=ppt/slides/slide12.xml><?xml version="1.0" encoding="utf-8"?>
+<p:sld xmlns:a="http://schemas.openxmlformats.org/drawingml/2006/main" xmlns:r="http://schemas.openxmlformats.org/officeDocument/2006/relationships" xmlns:p="http://schemas.openxmlformats.org/presentationml/2006/main">
+  <p:cSld>
+    <p:spTree>
+      <p:nvGrpSpPr>
         <p:cNvPr id="1" name="Shape 78"/>
         <p:cNvGrpSpPr/>
         <p:nvPr/>
@@ -11952,7 +12781,7 @@
             </a:pPr>
             <a:fld id="{00000000-1234-1234-1234-123412341234}" type="slidenum">
               <a:rPr lang="en"/>
-              <a:t>10</a:t>
+              <a:t>12</a:t>
             </a:fld>
             <a:endParaRPr/>
           </a:p>
@@ -11966,7 +12795,7 @@
 </p:sld>
 </file>
 
-<file path=ppt/slides/slide11.xml><?xml version="1.0" encoding="utf-8"?>
+<file path=ppt/slides/slide13.xml><?xml version="1.0" encoding="utf-8"?>
 <p:sld xmlns:a="http://schemas.openxmlformats.org/drawingml/2006/main" xmlns:r="http://schemas.openxmlformats.org/officeDocument/2006/relationships" xmlns:p="http://schemas.openxmlformats.org/presentationml/2006/main">
   <p:cSld>
     <p:spTree>
@@ -12370,7 +13199,7 @@
             </a:pPr>
             <a:fld id="{00000000-1234-1234-1234-123412341234}" type="slidenum">
               <a:rPr lang="en"/>
-              <a:t>11</a:t>
+              <a:t>13</a:t>
             </a:fld>
             <a:endParaRPr/>
           </a:p>
@@ -12508,7 +13337,7 @@
 </p:sld>
 </file>
 
-<file path=ppt/slides/slide12.xml><?xml version="1.0" encoding="utf-8"?>
+<file path=ppt/slides/slide14.xml><?xml version="1.0" encoding="utf-8"?>
 <p:sld xmlns:a="http://schemas.openxmlformats.org/drawingml/2006/main" xmlns:r="http://schemas.openxmlformats.org/officeDocument/2006/relationships" xmlns:p="http://schemas.openxmlformats.org/presentationml/2006/main">
   <p:cSld>
     <p:spTree>
@@ -12779,7 +13608,7 @@
             </a:pPr>
             <a:fld id="{00000000-1234-1234-1234-123412341234}" type="slidenum">
               <a:rPr lang="en"/>
-              <a:t>12</a:t>
+              <a:t>14</a:t>
             </a:fld>
             <a:endParaRPr/>
           </a:p>
@@ -12793,7 +13622,7 @@
 </p:sld>
 </file>
 
-<file path=ppt/slides/slide13.xml><?xml version="1.0" encoding="utf-8"?>
+<file path=ppt/slides/slide15.xml><?xml version="1.0" encoding="utf-8"?>
 <p:sld xmlns:a="http://schemas.openxmlformats.org/drawingml/2006/main" xmlns:r="http://schemas.openxmlformats.org/officeDocument/2006/relationships" xmlns:p="http://schemas.openxmlformats.org/presentationml/2006/main">
   <p:cSld>
     <p:spTree>
@@ -13299,7 +14128,7 @@
             </a:pPr>
             <a:fld id="{00000000-1234-1234-1234-123412341234}" type="slidenum">
               <a:rPr lang="en"/>
-              <a:t>13</a:t>
+              <a:t>15</a:t>
             </a:fld>
             <a:endParaRPr/>
           </a:p>
@@ -13388,7 +14217,7 @@
 </p:sld>
 </file>
 
-<file path=ppt/slides/slide14.xml><?xml version="1.0" encoding="utf-8"?>
+<file path=ppt/slides/slide16.xml><?xml version="1.0" encoding="utf-8"?>
 <p:sld xmlns:a="http://schemas.openxmlformats.org/drawingml/2006/main" xmlns:r="http://schemas.openxmlformats.org/officeDocument/2006/relationships" xmlns:p="http://schemas.openxmlformats.org/presentationml/2006/main">
   <p:cSld>
     <p:spTree>
@@ -13474,7 +14303,7 @@
             </a:pPr>
             <a:fld id="{00000000-1234-1234-1234-123412341234}" type="slidenum">
               <a:rPr lang="en"/>
-              <a:t>14</a:t>
+              <a:t>16</a:t>
             </a:fld>
             <a:endParaRPr/>
           </a:p>
@@ -13610,7 +14439,7 @@
 </p:sld>
 </file>
 
-<file path=ppt/slides/slide15.xml><?xml version="1.0" encoding="utf-8"?>
+<file path=ppt/slides/slide17.xml><?xml version="1.0" encoding="utf-8"?>
 <p:sld xmlns:a="http://schemas.openxmlformats.org/drawingml/2006/main" xmlns:r="http://schemas.openxmlformats.org/officeDocument/2006/relationships" xmlns:p="http://schemas.openxmlformats.org/presentationml/2006/main">
   <p:cSld>
     <p:spTree>
@@ -13816,7 +14645,7 @@
             </a:pPr>
             <a:fld id="{00000000-1234-1234-1234-123412341234}" type="slidenum">
               <a:rPr lang="en"/>
-              <a:t>15</a:t>
+              <a:t>17</a:t>
             </a:fld>
             <a:endParaRPr/>
           </a:p>
@@ -14056,7 +14885,7 @@
 </p:sld>
 </file>
 
-<file path=ppt/slides/slide16.xml><?xml version="1.0" encoding="utf-8"?>
+<file path=ppt/slides/slide18.xml><?xml version="1.0" encoding="utf-8"?>
 <p:sld xmlns:a="http://schemas.openxmlformats.org/drawingml/2006/main" xmlns:r="http://schemas.openxmlformats.org/officeDocument/2006/relationships" xmlns:p="http://schemas.openxmlformats.org/presentationml/2006/main">
   <p:cSld>
     <p:spTree>
@@ -14368,7 +15197,7 @@
             </a:pPr>
             <a:fld id="{00000000-1234-1234-1234-123412341234}" type="slidenum">
               <a:rPr lang="en"/>
-              <a:t>16</a:t>
+              <a:t>18</a:t>
             </a:fld>
             <a:endParaRPr/>
           </a:p>
@@ -14761,7 +15590,7 @@
 </p:sld>
 </file>
 
-<file path=ppt/slides/slide17.xml><?xml version="1.0" encoding="utf-8"?>
+<file path=ppt/slides/slide19.xml><?xml version="1.0" encoding="utf-8"?>
 <p:sld xmlns:a="http://schemas.openxmlformats.org/drawingml/2006/main" xmlns:r="http://schemas.openxmlformats.org/officeDocument/2006/relationships" xmlns:p="http://schemas.openxmlformats.org/presentationml/2006/main">
   <p:cSld>
     <p:spTree>
@@ -15228,7 +16057,7 @@
             </a:pPr>
             <a:fld id="{00000000-1234-1234-1234-123412341234}" type="slidenum">
               <a:rPr lang="en"/>
-              <a:t>17</a:t>
+              <a:t>19</a:t>
             </a:fld>
             <a:endParaRPr/>
           </a:p>
@@ -15317,7 +16146,229 @@
 </p:sld>
 </file>
 
-<file path=ppt/slides/slide18.xml><?xml version="1.0" encoding="utf-8"?>
+<file path=ppt/slides/slide2.xml><?xml version="1.0" encoding="utf-8"?>
+<p:sld xmlns:a="http://schemas.openxmlformats.org/drawingml/2006/main" xmlns:r="http://schemas.openxmlformats.org/officeDocument/2006/relationships" xmlns:p="http://schemas.openxmlformats.org/presentationml/2006/main">
+  <p:cSld>
+    <p:spTree>
+      <p:nvGrpSpPr>
+        <p:cNvPr id="1" name="Shape 61"/>
+        <p:cNvGrpSpPr/>
+        <p:nvPr/>
+      </p:nvGrpSpPr>
+      <p:grpSpPr>
+        <a:xfrm>
+          <a:off x="0" y="0"/>
+          <a:ext cx="0" cy="0"/>
+          <a:chOff x="0" y="0"/>
+          <a:chExt cx="0" cy="0"/>
+        </a:xfrm>
+      </p:grpSpPr>
+      <p:sp>
+        <p:nvSpPr>
+          <p:cNvPr id="62" name="Google Shape;62;p14"/>
+          <p:cNvSpPr txBox="1">
+            <a:spLocks noGrp="1"/>
+          </p:cNvSpPr>
+          <p:nvPr>
+            <p:ph type="title"/>
+          </p:nvPr>
+        </p:nvSpPr>
+        <p:spPr>
+          <a:xfrm>
+            <a:off x="311700" y="445025"/>
+            <a:ext cx="8520600" cy="572700"/>
+          </a:xfrm>
+          <a:prstGeom prst="rect">
+            <a:avLst/>
+          </a:prstGeom>
+        </p:spPr>
+        <p:txBody>
+          <a:bodyPr spcFirstLastPara="1" wrap="square" lIns="91425" tIns="91425" rIns="91425" bIns="91425" anchor="t" anchorCtr="0">
+            <a:noAutofit/>
+          </a:bodyPr>
+          <a:lstStyle/>
+          <a:p>
+            <a:pPr marL="0" lvl="0" indent="0" algn="l" rtl="0">
+              <a:spcBef>
+                <a:spcPts val="0"/>
+              </a:spcBef>
+              <a:spcAft>
+                <a:spcPts val="0"/>
+              </a:spcAft>
+              <a:buNone/>
+            </a:pPr>
+            <a:r>
+              <a:rPr lang="en" b="1" dirty="0" err="1">
+                <a:latin typeface="SimHei" panose="02010609060101010101" pitchFamily="49" charset="-122"/>
+                <a:ea typeface="SimHei" panose="02010609060101010101" pitchFamily="49" charset="-122"/>
+              </a:rPr>
+              <a:t>动机</a:t>
+            </a:r>
+            <a:endParaRPr b="1" dirty="0">
+              <a:latin typeface="SimHei" panose="02010609060101010101" pitchFamily="49" charset="-122"/>
+              <a:ea typeface="SimHei" panose="02010609060101010101" pitchFamily="49" charset="-122"/>
+            </a:endParaRPr>
+          </a:p>
+        </p:txBody>
+      </p:sp>
+      <p:sp>
+        <p:nvSpPr>
+          <p:cNvPr id="63" name="Google Shape;63;p14"/>
+          <p:cNvSpPr txBox="1">
+            <a:spLocks noGrp="1"/>
+          </p:cNvSpPr>
+          <p:nvPr>
+            <p:ph type="sldNum" idx="12"/>
+          </p:nvPr>
+        </p:nvSpPr>
+        <p:spPr>
+          <a:xfrm>
+            <a:off x="8472458" y="4663217"/>
+            <a:ext cx="548700" cy="393600"/>
+          </a:xfrm>
+          <a:prstGeom prst="rect">
+            <a:avLst/>
+          </a:prstGeom>
+        </p:spPr>
+        <p:txBody>
+          <a:bodyPr spcFirstLastPara="1" wrap="square" lIns="91425" tIns="91425" rIns="91425" bIns="91425" anchor="ctr" anchorCtr="0">
+            <a:noAutofit/>
+          </a:bodyPr>
+          <a:lstStyle/>
+          <a:p>
+            <a:pPr marL="0" lvl="0" indent="0" algn="r" rtl="0">
+              <a:spcBef>
+                <a:spcPts val="0"/>
+              </a:spcBef>
+              <a:spcAft>
+                <a:spcPts val="0"/>
+              </a:spcAft>
+              <a:buClr>
+                <a:srgbClr val="000000"/>
+              </a:buClr>
+              <a:buSzPts val="1100"/>
+              <a:buFont typeface="Arial"/>
+              <a:buNone/>
+            </a:pPr>
+            <a:fld id="{00000000-1234-1234-1234-123412341234}" type="slidenum">
+              <a:rPr lang="en"/>
+              <a:t>2</a:t>
+            </a:fld>
+            <a:endParaRPr/>
+          </a:p>
+        </p:txBody>
+      </p:sp>
+      <p:sp>
+        <p:nvSpPr>
+          <p:cNvPr id="64" name="Google Shape;64;p14"/>
+          <p:cNvSpPr txBox="1">
+            <a:spLocks noGrp="1"/>
+          </p:cNvSpPr>
+          <p:nvPr>
+            <p:ph type="body" idx="1"/>
+          </p:nvPr>
+        </p:nvSpPr>
+        <p:spPr>
+          <a:xfrm>
+            <a:off x="311700" y="1152475"/>
+            <a:ext cx="8520600" cy="3416400"/>
+          </a:xfrm>
+          <a:prstGeom prst="rect">
+            <a:avLst/>
+          </a:prstGeom>
+        </p:spPr>
+        <p:txBody>
+          <a:bodyPr spcFirstLastPara="1" wrap="square" lIns="91425" tIns="91425" rIns="91425" bIns="91425" anchor="t" anchorCtr="0">
+            <a:noAutofit/>
+          </a:bodyPr>
+          <a:lstStyle/>
+          <a:p>
+            <a:pPr marL="0" indent="0">
+              <a:buNone/>
+            </a:pPr>
+            <a:r>
+              <a:rPr lang="zh-CN" altLang="en-US" dirty="0">
+                <a:latin typeface="SimHei" panose="02010609060101010101" pitchFamily="49" charset="-122"/>
+                <a:ea typeface="SimHei" panose="02010609060101010101" pitchFamily="49" charset="-122"/>
+              </a:rPr>
+              <a:t>基础编程课程指导计算机科学专业学生基于指定编程语言解决简单问题，需要充足的思考实践和对于算法分析的基础理解。</a:t>
+            </a:r>
+            <a:endParaRPr lang="en-US" altLang="zh-CN" dirty="0">
+              <a:latin typeface="SimHei" panose="02010609060101010101" pitchFamily="49" charset="-122"/>
+              <a:ea typeface="SimHei" panose="02010609060101010101" pitchFamily="49" charset="-122"/>
+            </a:endParaRPr>
+          </a:p>
+          <a:p>
+            <a:pPr marL="0" indent="0">
+              <a:buNone/>
+            </a:pPr>
+            <a:endParaRPr lang="en-US" altLang="zh-CN" dirty="0">
+              <a:latin typeface="SimHei" panose="02010609060101010101" pitchFamily="49" charset="-122"/>
+              <a:ea typeface="SimHei" panose="02010609060101010101" pitchFamily="49" charset="-122"/>
+            </a:endParaRPr>
+          </a:p>
+          <a:p>
+            <a:pPr marL="0" indent="0">
+              <a:buNone/>
+            </a:pPr>
+            <a:r>
+              <a:rPr lang="zh-CN" altLang="en-US" dirty="0">
+                <a:latin typeface="SimHei" panose="02010609060101010101" pitchFamily="49" charset="-122"/>
+                <a:ea typeface="SimHei" panose="02010609060101010101" pitchFamily="49" charset="-122"/>
+              </a:rPr>
+              <a:t>然而，教育背景能够显著影响思维方式，大量学生在编程课程中受制于前置知识而非编程本身。</a:t>
+            </a:r>
+            <a:endParaRPr lang="en-US" altLang="zh-CN" dirty="0">
+              <a:latin typeface="SimHei" panose="02010609060101010101" pitchFamily="49" charset="-122"/>
+              <a:ea typeface="SimHei" panose="02010609060101010101" pitchFamily="49" charset="-122"/>
+            </a:endParaRPr>
+          </a:p>
+          <a:p>
+            <a:pPr marL="0" indent="0">
+              <a:buNone/>
+            </a:pPr>
+            <a:endParaRPr lang="zh-CN" altLang="en-US" dirty="0">
+              <a:latin typeface="SimHei" panose="02010609060101010101" pitchFamily="49" charset="-122"/>
+              <a:ea typeface="SimHei" panose="02010609060101010101" pitchFamily="49" charset="-122"/>
+            </a:endParaRPr>
+          </a:p>
+          <a:p>
+            <a:pPr marL="0" indent="0">
+              <a:buNone/>
+            </a:pPr>
+            <a:r>
+              <a:rPr lang="zh-CN" altLang="en-US" dirty="0">
+                <a:latin typeface="SimHei" panose="02010609060101010101" pitchFamily="49" charset="-122"/>
+                <a:ea typeface="SimHei" panose="02010609060101010101" pitchFamily="49" charset="-122"/>
+              </a:rPr>
+              <a:t>因此，本导引聚焦初学者容易缺乏的能力和观念。建议</a:t>
+            </a:r>
+            <a:r>
+              <a:rPr lang="zh-CN" altLang="en-US">
+                <a:latin typeface="SimHei" panose="02010609060101010101" pitchFamily="49" charset="-122"/>
+                <a:ea typeface="SimHei" panose="02010609060101010101" pitchFamily="49" charset="-122"/>
+              </a:rPr>
+              <a:t>查阅摘要后根据</a:t>
+            </a:r>
+            <a:r>
+              <a:rPr lang="zh-CN" altLang="en-US" dirty="0">
+                <a:latin typeface="SimHei" panose="02010609060101010101" pitchFamily="49" charset="-122"/>
+                <a:ea typeface="SimHei" panose="02010609060101010101" pitchFamily="49" charset="-122"/>
+              </a:rPr>
+              <a:t>需求决定是否参加讲座。鼓励为验证自身编程理解而参加讲座。</a:t>
+            </a:r>
+          </a:p>
+        </p:txBody>
+      </p:sp>
+    </p:spTree>
+  </p:cSld>
+  <p:clrMapOvr>
+    <a:masterClrMapping/>
+  </p:clrMapOvr>
+</p:sld>
+</file>
+
+<file path=ppt/slides/slide20.xml><?xml version="1.0" encoding="utf-8"?>
 <p:sld xmlns:a="http://schemas.openxmlformats.org/drawingml/2006/main" xmlns:r="http://schemas.openxmlformats.org/officeDocument/2006/relationships" xmlns:p="http://schemas.openxmlformats.org/presentationml/2006/main">
   <p:cSld>
     <p:spTree>
@@ -15690,7 +16741,7 @@
             </a:pPr>
             <a:fld id="{00000000-1234-1234-1234-123412341234}" type="slidenum">
               <a:rPr lang="en"/>
-              <a:t>18</a:t>
+              <a:t>20</a:t>
             </a:fld>
             <a:endParaRPr/>
           </a:p>
@@ -16083,7 +17134,7 @@
 </p:sld>
 </file>
 
-<file path=ppt/slides/slide19.xml><?xml version="1.0" encoding="utf-8"?>
+<file path=ppt/slides/slide21.xml><?xml version="1.0" encoding="utf-8"?>
 <p:sld xmlns:a="http://schemas.openxmlformats.org/drawingml/2006/main" xmlns:r="http://schemas.openxmlformats.org/officeDocument/2006/relationships" xmlns:p="http://schemas.openxmlformats.org/presentationml/2006/main">
   <p:cSld>
     <p:spTree>
@@ -16548,7 +17599,7 @@
             </a:pPr>
             <a:fld id="{00000000-1234-1234-1234-123412341234}" type="slidenum">
               <a:rPr lang="en"/>
-              <a:t>19</a:t>
+              <a:t>21</a:t>
             </a:fld>
             <a:endParaRPr/>
           </a:p>
@@ -16621,229 +17672,7 @@
 </p:sld>
 </file>
 
-<file path=ppt/slides/slide2.xml><?xml version="1.0" encoding="utf-8"?>
-<p:sld xmlns:a="http://schemas.openxmlformats.org/drawingml/2006/main" xmlns:r="http://schemas.openxmlformats.org/officeDocument/2006/relationships" xmlns:p="http://schemas.openxmlformats.org/presentationml/2006/main">
-  <p:cSld>
-    <p:spTree>
-      <p:nvGrpSpPr>
-        <p:cNvPr id="1" name="Shape 61"/>
-        <p:cNvGrpSpPr/>
-        <p:nvPr/>
-      </p:nvGrpSpPr>
-      <p:grpSpPr>
-        <a:xfrm>
-          <a:off x="0" y="0"/>
-          <a:ext cx="0" cy="0"/>
-          <a:chOff x="0" y="0"/>
-          <a:chExt cx="0" cy="0"/>
-        </a:xfrm>
-      </p:grpSpPr>
-      <p:sp>
-        <p:nvSpPr>
-          <p:cNvPr id="62" name="Google Shape;62;p14"/>
-          <p:cNvSpPr txBox="1">
-            <a:spLocks noGrp="1"/>
-          </p:cNvSpPr>
-          <p:nvPr>
-            <p:ph type="title"/>
-          </p:nvPr>
-        </p:nvSpPr>
-        <p:spPr>
-          <a:xfrm>
-            <a:off x="311700" y="445025"/>
-            <a:ext cx="8520600" cy="572700"/>
-          </a:xfrm>
-          <a:prstGeom prst="rect">
-            <a:avLst/>
-          </a:prstGeom>
-        </p:spPr>
-        <p:txBody>
-          <a:bodyPr spcFirstLastPara="1" wrap="square" lIns="91425" tIns="91425" rIns="91425" bIns="91425" anchor="t" anchorCtr="0">
-            <a:noAutofit/>
-          </a:bodyPr>
-          <a:lstStyle/>
-          <a:p>
-            <a:pPr marL="0" lvl="0" indent="0" algn="l" rtl="0">
-              <a:spcBef>
-                <a:spcPts val="0"/>
-              </a:spcBef>
-              <a:spcAft>
-                <a:spcPts val="0"/>
-              </a:spcAft>
-              <a:buNone/>
-            </a:pPr>
-            <a:r>
-              <a:rPr lang="en" b="1" dirty="0" err="1">
-                <a:latin typeface="SimHei" panose="02010609060101010101" pitchFamily="49" charset="-122"/>
-                <a:ea typeface="SimHei" panose="02010609060101010101" pitchFamily="49" charset="-122"/>
-              </a:rPr>
-              <a:t>动机</a:t>
-            </a:r>
-            <a:endParaRPr b="1" dirty="0">
-              <a:latin typeface="SimHei" panose="02010609060101010101" pitchFamily="49" charset="-122"/>
-              <a:ea typeface="SimHei" panose="02010609060101010101" pitchFamily="49" charset="-122"/>
-            </a:endParaRPr>
-          </a:p>
-        </p:txBody>
-      </p:sp>
-      <p:sp>
-        <p:nvSpPr>
-          <p:cNvPr id="63" name="Google Shape;63;p14"/>
-          <p:cNvSpPr txBox="1">
-            <a:spLocks noGrp="1"/>
-          </p:cNvSpPr>
-          <p:nvPr>
-            <p:ph type="sldNum" idx="12"/>
-          </p:nvPr>
-        </p:nvSpPr>
-        <p:spPr>
-          <a:xfrm>
-            <a:off x="8472458" y="4663217"/>
-            <a:ext cx="548700" cy="393600"/>
-          </a:xfrm>
-          <a:prstGeom prst="rect">
-            <a:avLst/>
-          </a:prstGeom>
-        </p:spPr>
-        <p:txBody>
-          <a:bodyPr spcFirstLastPara="1" wrap="square" lIns="91425" tIns="91425" rIns="91425" bIns="91425" anchor="ctr" anchorCtr="0">
-            <a:noAutofit/>
-          </a:bodyPr>
-          <a:lstStyle/>
-          <a:p>
-            <a:pPr marL="0" lvl="0" indent="0" algn="r" rtl="0">
-              <a:spcBef>
-                <a:spcPts val="0"/>
-              </a:spcBef>
-              <a:spcAft>
-                <a:spcPts val="0"/>
-              </a:spcAft>
-              <a:buClr>
-                <a:srgbClr val="000000"/>
-              </a:buClr>
-              <a:buSzPts val="1100"/>
-              <a:buFont typeface="Arial"/>
-              <a:buNone/>
-            </a:pPr>
-            <a:fld id="{00000000-1234-1234-1234-123412341234}" type="slidenum">
-              <a:rPr lang="en"/>
-              <a:t>2</a:t>
-            </a:fld>
-            <a:endParaRPr/>
-          </a:p>
-        </p:txBody>
-      </p:sp>
-      <p:sp>
-        <p:nvSpPr>
-          <p:cNvPr id="64" name="Google Shape;64;p14"/>
-          <p:cNvSpPr txBox="1">
-            <a:spLocks noGrp="1"/>
-          </p:cNvSpPr>
-          <p:nvPr>
-            <p:ph type="body" idx="1"/>
-          </p:nvPr>
-        </p:nvSpPr>
-        <p:spPr>
-          <a:xfrm>
-            <a:off x="311700" y="1152475"/>
-            <a:ext cx="8520600" cy="3416400"/>
-          </a:xfrm>
-          <a:prstGeom prst="rect">
-            <a:avLst/>
-          </a:prstGeom>
-        </p:spPr>
-        <p:txBody>
-          <a:bodyPr spcFirstLastPara="1" wrap="square" lIns="91425" tIns="91425" rIns="91425" bIns="91425" anchor="t" anchorCtr="0">
-            <a:noAutofit/>
-          </a:bodyPr>
-          <a:lstStyle/>
-          <a:p>
-            <a:pPr marL="0" indent="0">
-              <a:buNone/>
-            </a:pPr>
-            <a:r>
-              <a:rPr lang="zh-CN" altLang="en-US" dirty="0">
-                <a:latin typeface="SimHei" panose="02010609060101010101" pitchFamily="49" charset="-122"/>
-                <a:ea typeface="SimHei" panose="02010609060101010101" pitchFamily="49" charset="-122"/>
-              </a:rPr>
-              <a:t>基础编程课程指导计算机科学专业学生基于指定编程语言解决简单问题，需要充足的思考实践和对于算法分析的基础理解。</a:t>
-            </a:r>
-            <a:endParaRPr lang="en-US" altLang="zh-CN" dirty="0">
-              <a:latin typeface="SimHei" panose="02010609060101010101" pitchFamily="49" charset="-122"/>
-              <a:ea typeface="SimHei" panose="02010609060101010101" pitchFamily="49" charset="-122"/>
-            </a:endParaRPr>
-          </a:p>
-          <a:p>
-            <a:pPr marL="0" indent="0">
-              <a:buNone/>
-            </a:pPr>
-            <a:endParaRPr lang="en-US" altLang="zh-CN" dirty="0">
-              <a:latin typeface="SimHei" panose="02010609060101010101" pitchFamily="49" charset="-122"/>
-              <a:ea typeface="SimHei" panose="02010609060101010101" pitchFamily="49" charset="-122"/>
-            </a:endParaRPr>
-          </a:p>
-          <a:p>
-            <a:pPr marL="0" indent="0">
-              <a:buNone/>
-            </a:pPr>
-            <a:r>
-              <a:rPr lang="zh-CN" altLang="en-US" dirty="0">
-                <a:latin typeface="SimHei" panose="02010609060101010101" pitchFamily="49" charset="-122"/>
-                <a:ea typeface="SimHei" panose="02010609060101010101" pitchFamily="49" charset="-122"/>
-              </a:rPr>
-              <a:t>然而，教育背景能够显著影响思维方式，大量学生在编程课程中受制于前置知识而非编程本身。</a:t>
-            </a:r>
-            <a:endParaRPr lang="en-US" altLang="zh-CN" dirty="0">
-              <a:latin typeface="SimHei" panose="02010609060101010101" pitchFamily="49" charset="-122"/>
-              <a:ea typeface="SimHei" panose="02010609060101010101" pitchFamily="49" charset="-122"/>
-            </a:endParaRPr>
-          </a:p>
-          <a:p>
-            <a:pPr marL="0" indent="0">
-              <a:buNone/>
-            </a:pPr>
-            <a:endParaRPr lang="zh-CN" altLang="en-US" dirty="0">
-              <a:latin typeface="SimHei" panose="02010609060101010101" pitchFamily="49" charset="-122"/>
-              <a:ea typeface="SimHei" panose="02010609060101010101" pitchFamily="49" charset="-122"/>
-            </a:endParaRPr>
-          </a:p>
-          <a:p>
-            <a:pPr marL="0" indent="0">
-              <a:buNone/>
-            </a:pPr>
-            <a:r>
-              <a:rPr lang="zh-CN" altLang="en-US" dirty="0">
-                <a:latin typeface="SimHei" panose="02010609060101010101" pitchFamily="49" charset="-122"/>
-                <a:ea typeface="SimHei" panose="02010609060101010101" pitchFamily="49" charset="-122"/>
-              </a:rPr>
-              <a:t>因此，本导引聚焦初学者容易缺乏的能力和观念。建议</a:t>
-            </a:r>
-            <a:r>
-              <a:rPr lang="zh-CN" altLang="en-US">
-                <a:latin typeface="SimHei" panose="02010609060101010101" pitchFamily="49" charset="-122"/>
-                <a:ea typeface="SimHei" panose="02010609060101010101" pitchFamily="49" charset="-122"/>
-              </a:rPr>
-              <a:t>查阅摘要后根据</a:t>
-            </a:r>
-            <a:r>
-              <a:rPr lang="zh-CN" altLang="en-US" dirty="0">
-                <a:latin typeface="SimHei" panose="02010609060101010101" pitchFamily="49" charset="-122"/>
-                <a:ea typeface="SimHei" panose="02010609060101010101" pitchFamily="49" charset="-122"/>
-              </a:rPr>
-              <a:t>需求决定是否参加讲座。鼓励为验证自身编程理解而参加讲座。</a:t>
-            </a:r>
-          </a:p>
-        </p:txBody>
-      </p:sp>
-    </p:spTree>
-  </p:cSld>
-  <p:clrMapOvr>
-    <a:masterClrMapping/>
-  </p:clrMapOvr>
-</p:sld>
-</file>
-
-<file path=ppt/slides/slide20.xml><?xml version="1.0" encoding="utf-8"?>
+<file path=ppt/slides/slide22.xml><?xml version="1.0" encoding="utf-8"?>
 <p:sld xmlns:a="http://schemas.openxmlformats.org/drawingml/2006/main" xmlns:r="http://schemas.openxmlformats.org/officeDocument/2006/relationships" xmlns:p="http://schemas.openxmlformats.org/presentationml/2006/main">
   <p:cSld>
     <p:spTree>
@@ -17155,7 +17984,7 @@
             </a:pPr>
             <a:fld id="{00000000-1234-1234-1234-123412341234}" type="slidenum">
               <a:rPr lang="en"/>
-              <a:t>20</a:t>
+              <a:t>22</a:t>
             </a:fld>
             <a:endParaRPr/>
           </a:p>
@@ -17228,7 +18057,7 @@
 </p:sld>
 </file>
 
-<file path=ppt/slides/slide21.xml><?xml version="1.0" encoding="utf-8"?>
+<file path=ppt/slides/slide23.xml><?xml version="1.0" encoding="utf-8"?>
 <p:sld xmlns:a="http://schemas.openxmlformats.org/drawingml/2006/main" xmlns:r="http://schemas.openxmlformats.org/officeDocument/2006/relationships" xmlns:p="http://schemas.openxmlformats.org/presentationml/2006/main">
   <p:cSld>
     <p:spTree>
@@ -17546,7 +18375,7 @@
             </a:pPr>
             <a:fld id="{00000000-1234-1234-1234-123412341234}" type="slidenum">
               <a:rPr lang="en"/>
-              <a:t>21</a:t>
+              <a:t>23</a:t>
             </a:fld>
             <a:endParaRPr/>
           </a:p>
@@ -17619,7 +18448,7 @@
 </p:sld>
 </file>
 
-<file path=ppt/slides/slide22.xml><?xml version="1.0" encoding="utf-8"?>
+<file path=ppt/slides/slide24.xml><?xml version="1.0" encoding="utf-8"?>
 <p:sld xmlns:a="http://schemas.openxmlformats.org/drawingml/2006/main" xmlns:r="http://schemas.openxmlformats.org/officeDocument/2006/relationships" xmlns:p="http://schemas.openxmlformats.org/presentationml/2006/main">
   <p:cSld>
     <p:spTree>
@@ -17909,7 +18738,7 @@
             </a:pPr>
             <a:fld id="{00000000-1234-1234-1234-123412341234}" type="slidenum">
               <a:rPr lang="en"/>
-              <a:t>22</a:t>
+              <a:t>24</a:t>
             </a:fld>
             <a:endParaRPr/>
           </a:p>
@@ -18293,7 +19122,7 @@
 </p:sld>
 </file>
 
-<file path=ppt/slides/slide23.xml><?xml version="1.0" encoding="utf-8"?>
+<file path=ppt/slides/slide25.xml><?xml version="1.0" encoding="utf-8"?>
 <p:sld xmlns:a="http://schemas.openxmlformats.org/drawingml/2006/main" xmlns:r="http://schemas.openxmlformats.org/officeDocument/2006/relationships" xmlns:p="http://schemas.openxmlformats.org/presentationml/2006/main">
   <p:cSld>
     <p:spTree>
@@ -18575,7 +19404,7 @@
             </a:pPr>
             <a:fld id="{00000000-1234-1234-1234-123412341234}" type="slidenum">
               <a:rPr lang="en"/>
-              <a:t>23</a:t>
+              <a:t>25</a:t>
             </a:fld>
             <a:endParaRPr/>
           </a:p>
@@ -18864,7 +19693,7 @@
 </p:sld>
 </file>
 
-<file path=ppt/slides/slide24.xml><?xml version="1.0" encoding="utf-8"?>
+<file path=ppt/slides/slide26.xml><?xml version="1.0" encoding="utf-8"?>
 <p:sld xmlns:a="http://schemas.openxmlformats.org/drawingml/2006/main" xmlns:r="http://schemas.openxmlformats.org/officeDocument/2006/relationships" xmlns:p="http://schemas.openxmlformats.org/presentationml/2006/main">
   <p:cSld>
     <p:spTree>
@@ -19251,7 +20080,7 @@
             </a:pPr>
             <a:fld id="{00000000-1234-1234-1234-123412341234}" type="slidenum">
               <a:rPr lang="en"/>
-              <a:t>24</a:t>
+              <a:t>26</a:t>
             </a:fld>
             <a:endParaRPr/>
           </a:p>
@@ -19387,7 +20216,7 @@
 </p:sld>
 </file>
 
-<file path=ppt/slides/slide25.xml><?xml version="1.0" encoding="utf-8"?>
+<file path=ppt/slides/slide27.xml><?xml version="1.0" encoding="utf-8"?>
 <p:sld xmlns:a="http://schemas.openxmlformats.org/drawingml/2006/main" xmlns:r="http://schemas.openxmlformats.org/officeDocument/2006/relationships" xmlns:p="http://schemas.openxmlformats.org/presentationml/2006/main">
   <p:cSld>
     <p:spTree>
@@ -19653,7 +20482,7 @@
             </a:pPr>
             <a:fld id="{00000000-1234-1234-1234-123412341234}" type="slidenum">
               <a:rPr lang="en"/>
-              <a:t>25</a:t>
+              <a:t>27</a:t>
             </a:fld>
             <a:endParaRPr/>
           </a:p>
@@ -19667,7 +20496,7 @@
 </p:sld>
 </file>
 
-<file path=ppt/slides/slide26.xml><?xml version="1.0" encoding="utf-8"?>
+<file path=ppt/slides/slide28.xml><?xml version="1.0" encoding="utf-8"?>
 <p:sld xmlns:a="http://schemas.openxmlformats.org/drawingml/2006/main" xmlns:r="http://schemas.openxmlformats.org/officeDocument/2006/relationships" xmlns:p="http://schemas.openxmlformats.org/presentationml/2006/main">
   <p:cSld>
     <p:spTree>
@@ -19971,7 +20800,7 @@
             </a:pPr>
             <a:fld id="{00000000-1234-1234-1234-123412341234}" type="slidenum">
               <a:rPr lang="en"/>
-              <a:t>26</a:t>
+              <a:t>28</a:t>
             </a:fld>
             <a:endParaRPr/>
           </a:p>
@@ -19985,7 +20814,7 @@
 </p:sld>
 </file>
 
-<file path=ppt/slides/slide27.xml><?xml version="1.0" encoding="utf-8"?>
+<file path=ppt/slides/slide29.xml><?xml version="1.0" encoding="utf-8"?>
 <p:sld xmlns:a="http://schemas.openxmlformats.org/drawingml/2006/main" xmlns:r="http://schemas.openxmlformats.org/officeDocument/2006/relationships" xmlns:p="http://schemas.openxmlformats.org/presentationml/2006/main">
   <p:cSld>
     <p:spTree>
@@ -20823,7 +21652,7 @@
             </a:pPr>
             <a:fld id="{00000000-1234-1234-1234-123412341234}" type="slidenum">
               <a:rPr lang="en"/>
-              <a:t>27</a:t>
+              <a:t>29</a:t>
             </a:fld>
             <a:endParaRPr/>
           </a:p>
@@ -20837,7 +21666,131 @@
 </p:sld>
 </file>
 
-<file path=ppt/slides/slide28.xml><?xml version="1.0" encoding="utf-8"?>
+<file path=ppt/slides/slide3.xml><?xml version="1.0" encoding="utf-8"?>
+<p:sld xmlns:a="http://schemas.openxmlformats.org/drawingml/2006/main" xmlns:r="http://schemas.openxmlformats.org/officeDocument/2006/relationships" xmlns:p="http://schemas.openxmlformats.org/presentationml/2006/main">
+  <p:cSld>
+    <p:spTree>
+      <p:nvGrpSpPr>
+        <p:cNvPr id="1" name="">
+          <a:extLst>
+            <a:ext uri="{FF2B5EF4-FFF2-40B4-BE49-F238E27FC236}">
+              <a16:creationId xmlns:a16="http://schemas.microsoft.com/office/drawing/2014/main" id="{930BA2D5-5FFA-38C8-5BF8-A323B1C7AF6F}"/>
+            </a:ext>
+          </a:extLst>
+        </p:cNvPr>
+        <p:cNvGrpSpPr/>
+        <p:nvPr/>
+      </p:nvGrpSpPr>
+      <p:grpSpPr>
+        <a:xfrm>
+          <a:off x="0" y="0"/>
+          <a:ext cx="0" cy="0"/>
+          <a:chOff x="0" y="0"/>
+          <a:chExt cx="0" cy="0"/>
+        </a:xfrm>
+      </p:grpSpPr>
+      <p:sp>
+        <p:nvSpPr>
+          <p:cNvPr id="2" name="标题 1">
+            <a:extLst>
+              <a:ext uri="{FF2B5EF4-FFF2-40B4-BE49-F238E27FC236}">
+                <a16:creationId xmlns:a16="http://schemas.microsoft.com/office/drawing/2014/main" id="{6078819C-25CA-DAB8-61ED-A67180AA57BF}"/>
+              </a:ext>
+            </a:extLst>
+          </p:cNvPr>
+          <p:cNvSpPr>
+            <a:spLocks noGrp="1"/>
+          </p:cNvSpPr>
+          <p:nvPr>
+            <p:ph type="title"/>
+          </p:nvPr>
+        </p:nvSpPr>
+        <p:spPr/>
+        <p:txBody>
+          <a:bodyPr/>
+          <a:lstStyle/>
+          <a:p>
+            <a:endParaRPr kumimoji="1" lang="zh-CN" altLang="en-US"/>
+          </a:p>
+        </p:txBody>
+      </p:sp>
+      <p:sp>
+        <p:nvSpPr>
+          <p:cNvPr id="3" name="文本占位符 2">
+            <a:extLst>
+              <a:ext uri="{FF2B5EF4-FFF2-40B4-BE49-F238E27FC236}">
+                <a16:creationId xmlns:a16="http://schemas.microsoft.com/office/drawing/2014/main" id="{5C605DEC-8B3B-3A97-618E-F891BE1D81C5}"/>
+              </a:ext>
+            </a:extLst>
+          </p:cNvPr>
+          <p:cNvSpPr>
+            <a:spLocks noGrp="1"/>
+          </p:cNvSpPr>
+          <p:nvPr>
+            <p:ph type="body" idx="1"/>
+          </p:nvPr>
+        </p:nvSpPr>
+        <p:spPr/>
+        <p:txBody>
+          <a:bodyPr/>
+          <a:lstStyle/>
+          <a:p>
+            <a:endParaRPr kumimoji="1" lang="zh-CN" altLang="en-US"/>
+          </a:p>
+        </p:txBody>
+      </p:sp>
+      <p:sp>
+        <p:nvSpPr>
+          <p:cNvPr id="4" name="灯片编号占位符 3">
+            <a:extLst>
+              <a:ext uri="{FF2B5EF4-FFF2-40B4-BE49-F238E27FC236}">
+                <a16:creationId xmlns:a16="http://schemas.microsoft.com/office/drawing/2014/main" id="{150A8311-D146-225C-A7C1-3935B1DCCF0C}"/>
+              </a:ext>
+            </a:extLst>
+          </p:cNvPr>
+          <p:cNvSpPr>
+            <a:spLocks noGrp="1"/>
+          </p:cNvSpPr>
+          <p:nvPr>
+            <p:ph type="sldNum" idx="12"/>
+          </p:nvPr>
+        </p:nvSpPr>
+        <p:spPr/>
+        <p:txBody>
+          <a:bodyPr/>
+          <a:lstStyle/>
+          <a:p>
+            <a:pPr marL="0" lvl="0" indent="0" algn="r" rtl="0">
+              <a:spcBef>
+                <a:spcPts val="0"/>
+              </a:spcBef>
+              <a:spcAft>
+                <a:spcPts val="0"/>
+              </a:spcAft>
+              <a:buNone/>
+            </a:pPr>
+            <a:fld id="{00000000-1234-1234-1234-123412341234}" type="slidenum">
+              <a:rPr lang="en" smtClean="0"/>
+              <a:t>3</a:t>
+            </a:fld>
+            <a:endParaRPr lang="en"/>
+          </a:p>
+        </p:txBody>
+      </p:sp>
+    </p:spTree>
+    <p:extLst>
+      <p:ext uri="{BB962C8B-B14F-4D97-AF65-F5344CB8AC3E}">
+        <p14:creationId xmlns:p14="http://schemas.microsoft.com/office/powerpoint/2010/main" val="1195055295"/>
+      </p:ext>
+    </p:extLst>
+  </p:cSld>
+  <p:clrMapOvr>
+    <a:masterClrMapping/>
+  </p:clrMapOvr>
+</p:sld>
+</file>
+
+<file path=ppt/slides/slide30.xml><?xml version="1.0" encoding="utf-8"?>
 <p:sld xmlns:a="http://schemas.openxmlformats.org/drawingml/2006/main" xmlns:r="http://schemas.openxmlformats.org/officeDocument/2006/relationships" xmlns:p="http://schemas.openxmlformats.org/presentationml/2006/main">
   <p:cSld>
     <p:spTree>
@@ -21089,7 +22042,7 @@
             </a:pPr>
             <a:fld id="{00000000-1234-1234-1234-123412341234}" type="slidenum">
               <a:rPr lang="en"/>
-              <a:t>28</a:t>
+              <a:t>30</a:t>
             </a:fld>
             <a:endParaRPr/>
           </a:p>
@@ -21103,7 +22056,7 @@
 </p:sld>
 </file>
 
-<file path=ppt/slides/slide29.xml><?xml version="1.0" encoding="utf-8"?>
+<file path=ppt/slides/slide31.xml><?xml version="1.0" encoding="utf-8"?>
 <p:sld xmlns:a="http://schemas.openxmlformats.org/drawingml/2006/main" xmlns:r="http://schemas.openxmlformats.org/officeDocument/2006/relationships" xmlns:p="http://schemas.openxmlformats.org/presentationml/2006/main">
   <p:cSld>
     <p:spTree>
@@ -21258,7 +22211,7 @@
             </a:pPr>
             <a:fld id="{00000000-1234-1234-1234-123412341234}" type="slidenum">
               <a:rPr lang="en"/>
-              <a:t>29</a:t>
+              <a:t>31</a:t>
             </a:fld>
             <a:endParaRPr/>
           </a:p>
@@ -21272,198 +22225,7 @@
 </p:sld>
 </file>
 
-<file path=ppt/slides/slide3.xml><?xml version="1.0" encoding="utf-8"?>
-<p:sld xmlns:a="http://schemas.openxmlformats.org/drawingml/2006/main" xmlns:r="http://schemas.openxmlformats.org/officeDocument/2006/relationships" xmlns:p="http://schemas.openxmlformats.org/presentationml/2006/main">
-  <p:cSld>
-    <p:spTree>
-      <p:nvGrpSpPr>
-        <p:cNvPr id="1" name="Shape 61">
-          <a:extLst>
-            <a:ext uri="{FF2B5EF4-FFF2-40B4-BE49-F238E27FC236}">
-              <a16:creationId xmlns:a16="http://schemas.microsoft.com/office/drawing/2014/main" id="{783290FC-4791-83FD-5DEE-1E48B041D4DF}"/>
-            </a:ext>
-          </a:extLst>
-        </p:cNvPr>
-        <p:cNvGrpSpPr/>
-        <p:nvPr/>
-      </p:nvGrpSpPr>
-      <p:grpSpPr>
-        <a:xfrm>
-          <a:off x="0" y="0"/>
-          <a:ext cx="0" cy="0"/>
-          <a:chOff x="0" y="0"/>
-          <a:chExt cx="0" cy="0"/>
-        </a:xfrm>
-      </p:grpSpPr>
-      <p:sp>
-        <p:nvSpPr>
-          <p:cNvPr id="62" name="Google Shape;62;p14">
-            <a:extLst>
-              <a:ext uri="{FF2B5EF4-FFF2-40B4-BE49-F238E27FC236}">
-                <a16:creationId xmlns:a16="http://schemas.microsoft.com/office/drawing/2014/main" id="{90B3861E-5CFD-ECBC-4567-4A2B6D68A9E8}"/>
-              </a:ext>
-            </a:extLst>
-          </p:cNvPr>
-          <p:cNvSpPr txBox="1">
-            <a:spLocks noGrp="1"/>
-          </p:cNvSpPr>
-          <p:nvPr>
-            <p:ph type="title"/>
-          </p:nvPr>
-        </p:nvSpPr>
-        <p:spPr>
-          <a:xfrm>
-            <a:off x="311700" y="445025"/>
-            <a:ext cx="8520600" cy="572700"/>
-          </a:xfrm>
-          <a:prstGeom prst="rect">
-            <a:avLst/>
-          </a:prstGeom>
-        </p:spPr>
-        <p:txBody>
-          <a:bodyPr spcFirstLastPara="1" wrap="square" lIns="91425" tIns="91425" rIns="91425" bIns="91425" anchor="t" anchorCtr="0">
-            <a:noAutofit/>
-          </a:bodyPr>
-          <a:lstStyle/>
-          <a:p>
-            <a:pPr marL="0" lvl="0" indent="0" algn="l" rtl="0">
-              <a:spcBef>
-                <a:spcPts val="0"/>
-              </a:spcBef>
-              <a:spcAft>
-                <a:spcPts val="0"/>
-              </a:spcAft>
-              <a:buNone/>
-            </a:pPr>
-            <a:r>
-              <a:rPr lang="en" b="1" dirty="0" err="1">
-                <a:latin typeface="SimHei" panose="02010609060101010101" pitchFamily="49" charset="-122"/>
-                <a:ea typeface="SimHei" panose="02010609060101010101" pitchFamily="49" charset="-122"/>
-              </a:rPr>
-              <a:t>摘要</a:t>
-            </a:r>
-            <a:endParaRPr b="1" dirty="0">
-              <a:latin typeface="SimHei" panose="02010609060101010101" pitchFamily="49" charset="-122"/>
-              <a:ea typeface="SimHei" panose="02010609060101010101" pitchFamily="49" charset="-122"/>
-            </a:endParaRPr>
-          </a:p>
-        </p:txBody>
-      </p:sp>
-      <p:sp>
-        <p:nvSpPr>
-          <p:cNvPr id="63" name="Google Shape;63;p14">
-            <a:extLst>
-              <a:ext uri="{FF2B5EF4-FFF2-40B4-BE49-F238E27FC236}">
-                <a16:creationId xmlns:a16="http://schemas.microsoft.com/office/drawing/2014/main" id="{9914738A-A1C8-8878-A332-406EC56E9211}"/>
-              </a:ext>
-            </a:extLst>
-          </p:cNvPr>
-          <p:cNvSpPr txBox="1">
-            <a:spLocks noGrp="1"/>
-          </p:cNvSpPr>
-          <p:nvPr>
-            <p:ph type="sldNum" idx="12"/>
-          </p:nvPr>
-        </p:nvSpPr>
-        <p:spPr>
-          <a:xfrm>
-            <a:off x="8472458" y="4663217"/>
-            <a:ext cx="548700" cy="393600"/>
-          </a:xfrm>
-          <a:prstGeom prst="rect">
-            <a:avLst/>
-          </a:prstGeom>
-        </p:spPr>
-        <p:txBody>
-          <a:bodyPr spcFirstLastPara="1" wrap="square" lIns="91425" tIns="91425" rIns="91425" bIns="91425" anchor="ctr" anchorCtr="0">
-            <a:noAutofit/>
-          </a:bodyPr>
-          <a:lstStyle/>
-          <a:p>
-            <a:pPr marL="0" lvl="0" indent="0" algn="r" rtl="0">
-              <a:spcBef>
-                <a:spcPts val="0"/>
-              </a:spcBef>
-              <a:spcAft>
-                <a:spcPts val="0"/>
-              </a:spcAft>
-              <a:buClr>
-                <a:srgbClr val="000000"/>
-              </a:buClr>
-              <a:buSzPts val="1100"/>
-              <a:buFont typeface="Arial"/>
-              <a:buNone/>
-            </a:pPr>
-            <a:fld id="{00000000-1234-1234-1234-123412341234}" type="slidenum">
-              <a:rPr lang="en"/>
-              <a:t>3</a:t>
-            </a:fld>
-            <a:endParaRPr/>
-          </a:p>
-        </p:txBody>
-      </p:sp>
-      <p:sp>
-        <p:nvSpPr>
-          <p:cNvPr id="64" name="Google Shape;64;p14">
-            <a:extLst>
-              <a:ext uri="{FF2B5EF4-FFF2-40B4-BE49-F238E27FC236}">
-                <a16:creationId xmlns:a16="http://schemas.microsoft.com/office/drawing/2014/main" id="{883FDC84-A065-0260-A4A2-62FCBA88097B}"/>
-              </a:ext>
-            </a:extLst>
-          </p:cNvPr>
-          <p:cNvSpPr txBox="1">
-            <a:spLocks noGrp="1"/>
-          </p:cNvSpPr>
-          <p:nvPr>
-            <p:ph type="body" idx="1"/>
-          </p:nvPr>
-        </p:nvSpPr>
-        <p:spPr>
-          <a:xfrm>
-            <a:off x="311700" y="1152475"/>
-            <a:ext cx="8520600" cy="3416400"/>
-          </a:xfrm>
-          <a:prstGeom prst="rect">
-            <a:avLst/>
-          </a:prstGeom>
-        </p:spPr>
-        <p:txBody>
-          <a:bodyPr spcFirstLastPara="1" wrap="square" lIns="91425" tIns="91425" rIns="91425" bIns="91425" anchor="t" anchorCtr="0">
-            <a:noAutofit/>
-          </a:bodyPr>
-          <a:lstStyle/>
-          <a:p>
-            <a:pPr marL="0" indent="0">
-              <a:buNone/>
-            </a:pPr>
-            <a:r>
-              <a:rPr lang="en-US" altLang="zh-CN" dirty="0">
-                <a:latin typeface="SimHei" panose="02010609060101010101" pitchFamily="49" charset="-122"/>
-                <a:ea typeface="SimHei" panose="02010609060101010101" pitchFamily="49" charset="-122"/>
-              </a:rPr>
-              <a:t>……</a:t>
-            </a:r>
-            <a:endParaRPr lang="zh-CN" altLang="en-US" dirty="0">
-              <a:latin typeface="SimHei" panose="02010609060101010101" pitchFamily="49" charset="-122"/>
-              <a:ea typeface="SimHei" panose="02010609060101010101" pitchFamily="49" charset="-122"/>
-            </a:endParaRPr>
-          </a:p>
-        </p:txBody>
-      </p:sp>
-    </p:spTree>
-    <p:extLst>
-      <p:ext uri="{BB962C8B-B14F-4D97-AF65-F5344CB8AC3E}">
-        <p14:creationId xmlns:p14="http://schemas.microsoft.com/office/powerpoint/2010/main" val="1497422323"/>
-      </p:ext>
-    </p:extLst>
-  </p:cSld>
-  <p:clrMapOvr>
-    <a:masterClrMapping/>
-  </p:clrMapOvr>
-</p:sld>
-</file>
-
-<file path=ppt/slides/slide30.xml><?xml version="1.0" encoding="utf-8"?>
+<file path=ppt/slides/slide32.xml><?xml version="1.0" encoding="utf-8"?>
 <p:sld xmlns:a="http://schemas.openxmlformats.org/drawingml/2006/main" xmlns:r="http://schemas.openxmlformats.org/officeDocument/2006/relationships" xmlns:p="http://schemas.openxmlformats.org/presentationml/2006/main">
   <p:cSld>
     <p:spTree>
@@ -21563,7 +22325,7 @@
             </a:pPr>
             <a:fld id="{00000000-1234-1234-1234-123412341234}" type="slidenum">
               <a:rPr lang="en"/>
-              <a:t>30</a:t>
+              <a:t>32</a:t>
             </a:fld>
             <a:endParaRPr/>
           </a:p>
@@ -21669,7 +22431,7 @@
 </p:sld>
 </file>
 
-<file path=ppt/slides/slide31.xml><?xml version="1.0" encoding="utf-8"?>
+<file path=ppt/slides/slide33.xml><?xml version="1.0" encoding="utf-8"?>
 <p:sld xmlns:a="http://schemas.openxmlformats.org/drawingml/2006/main" xmlns:r="http://schemas.openxmlformats.org/officeDocument/2006/relationships" xmlns:p="http://schemas.openxmlformats.org/presentationml/2006/main">
   <p:cSld>
     <p:spTree>
@@ -21769,7 +22531,7 @@
             </a:pPr>
             <a:fld id="{00000000-1234-1234-1234-123412341234}" type="slidenum">
               <a:rPr lang="en"/>
-              <a:t>31</a:t>
+              <a:t>33</a:t>
             </a:fld>
             <a:endParaRPr/>
           </a:p>
@@ -22334,7 +23096,7 @@
 </p:sld>
 </file>
 
-<file path=ppt/slides/slide32.xml><?xml version="1.0" encoding="utf-8"?>
+<file path=ppt/slides/slide34.xml><?xml version="1.0" encoding="utf-8"?>
 <p:sld xmlns:a="http://schemas.openxmlformats.org/drawingml/2006/main" xmlns:r="http://schemas.openxmlformats.org/officeDocument/2006/relationships" xmlns:p="http://schemas.openxmlformats.org/presentationml/2006/main">
   <p:cSld>
     <p:spTree>
@@ -22434,7 +23196,7 @@
             </a:pPr>
             <a:fld id="{00000000-1234-1234-1234-123412341234}" type="slidenum">
               <a:rPr lang="en"/>
-              <a:t>32</a:t>
+              <a:t>34</a:t>
             </a:fld>
             <a:endParaRPr/>
           </a:p>
@@ -23197,7 +23959,7 @@
 </p:sld>
 </file>
 
-<file path=ppt/slides/slide33.xml><?xml version="1.0" encoding="utf-8"?>
+<file path=ppt/slides/slide35.xml><?xml version="1.0" encoding="utf-8"?>
 <p:sld xmlns:a="http://schemas.openxmlformats.org/drawingml/2006/main" xmlns:r="http://schemas.openxmlformats.org/officeDocument/2006/relationships" xmlns:p="http://schemas.openxmlformats.org/presentationml/2006/main">
   <p:cSld>
     <p:spTree>
@@ -23297,7 +24059,7 @@
             </a:pPr>
             <a:fld id="{00000000-1234-1234-1234-123412341234}" type="slidenum">
               <a:rPr lang="en"/>
-              <a:t>33</a:t>
+              <a:t>35</a:t>
             </a:fld>
             <a:endParaRPr/>
           </a:p>
@@ -24069,7 +24831,7 @@
 </p:sld>
 </file>
 
-<file path=ppt/slides/slide34.xml><?xml version="1.0" encoding="utf-8"?>
+<file path=ppt/slides/slide36.xml><?xml version="1.0" encoding="utf-8"?>
 <p:sld xmlns:a="http://schemas.openxmlformats.org/drawingml/2006/main" xmlns:r="http://schemas.openxmlformats.org/officeDocument/2006/relationships" xmlns:p="http://schemas.openxmlformats.org/presentationml/2006/main">
   <p:cSld>
     <p:spTree>
@@ -24240,7 +25002,7 @@
             </a:pPr>
             <a:fld id="{00000000-1234-1234-1234-123412341234}" type="slidenum">
               <a:rPr lang="en"/>
-              <a:t>34</a:t>
+              <a:t>36</a:t>
             </a:fld>
             <a:endParaRPr/>
           </a:p>
@@ -25904,7 +26666,7 @@
 </p:sld>
 </file>
 
-<file path=ppt/slides/slide35.xml><?xml version="1.0" encoding="utf-8"?>
+<file path=ppt/slides/slide37.xml><?xml version="1.0" encoding="utf-8"?>
 <p:sld xmlns:a="http://schemas.openxmlformats.org/drawingml/2006/main" xmlns:r="http://schemas.openxmlformats.org/officeDocument/2006/relationships" xmlns:p="http://schemas.openxmlformats.org/presentationml/2006/main">
   <p:cSld>
     <p:spTree>
@@ -26046,7 +26808,7 @@
             </a:pPr>
             <a:fld id="{00000000-1234-1234-1234-123412341234}" type="slidenum">
               <a:rPr lang="en"/>
-              <a:t>35</a:t>
+              <a:t>37</a:t>
             </a:fld>
             <a:endParaRPr/>
           </a:p>
@@ -26990,7 +27752,7 @@
 </p:sld>
 </file>
 
-<file path=ppt/slides/slide36.xml><?xml version="1.0" encoding="utf-8"?>
+<file path=ppt/slides/slide38.xml><?xml version="1.0" encoding="utf-8"?>
 <p:sld xmlns:a="http://schemas.openxmlformats.org/drawingml/2006/main" xmlns:r="http://schemas.openxmlformats.org/officeDocument/2006/relationships" xmlns:p="http://schemas.openxmlformats.org/presentationml/2006/main">
   <p:cSld>
     <p:spTree>
@@ -27401,7 +28163,7 @@
             </a:pPr>
             <a:fld id="{00000000-1234-1234-1234-123412341234}" type="slidenum">
               <a:rPr lang="en"/>
-              <a:t>36</a:t>
+              <a:t>38</a:t>
             </a:fld>
             <a:endParaRPr/>
           </a:p>
@@ -27415,7 +28177,7 @@
 </p:sld>
 </file>
 
-<file path=ppt/slides/slide37.xml><?xml version="1.0" encoding="utf-8"?>
+<file path=ppt/slides/slide39.xml><?xml version="1.0" encoding="utf-8"?>
 <p:sld xmlns:a="http://schemas.openxmlformats.org/drawingml/2006/main" xmlns:r="http://schemas.openxmlformats.org/officeDocument/2006/relationships" xmlns:p="http://schemas.openxmlformats.org/presentationml/2006/main">
   <p:cSld>
     <p:spTree>
@@ -27826,7 +28588,7 @@
             </a:pPr>
             <a:fld id="{00000000-1234-1234-1234-123412341234}" type="slidenum">
               <a:rPr lang="en"/>
-              <a:t>37</a:t>
+              <a:t>39</a:t>
             </a:fld>
             <a:endParaRPr/>
           </a:p>
@@ -27922,7 +28684,131 @@
 </p:sld>
 </file>
 
-<file path=ppt/slides/slide38.xml><?xml version="1.0" encoding="utf-8"?>
+<file path=ppt/slides/slide4.xml><?xml version="1.0" encoding="utf-8"?>
+<p:sld xmlns:a="http://schemas.openxmlformats.org/drawingml/2006/main" xmlns:r="http://schemas.openxmlformats.org/officeDocument/2006/relationships" xmlns:p="http://schemas.openxmlformats.org/presentationml/2006/main">
+  <p:cSld>
+    <p:spTree>
+      <p:nvGrpSpPr>
+        <p:cNvPr id="1" name="">
+          <a:extLst>
+            <a:ext uri="{FF2B5EF4-FFF2-40B4-BE49-F238E27FC236}">
+              <a16:creationId xmlns:a16="http://schemas.microsoft.com/office/drawing/2014/main" id="{5AFE395D-BB72-953E-6A18-B561159CC380}"/>
+            </a:ext>
+          </a:extLst>
+        </p:cNvPr>
+        <p:cNvGrpSpPr/>
+        <p:nvPr/>
+      </p:nvGrpSpPr>
+      <p:grpSpPr>
+        <a:xfrm>
+          <a:off x="0" y="0"/>
+          <a:ext cx="0" cy="0"/>
+          <a:chOff x="0" y="0"/>
+          <a:chExt cx="0" cy="0"/>
+        </a:xfrm>
+      </p:grpSpPr>
+      <p:sp>
+        <p:nvSpPr>
+          <p:cNvPr id="2" name="标题 1">
+            <a:extLst>
+              <a:ext uri="{FF2B5EF4-FFF2-40B4-BE49-F238E27FC236}">
+                <a16:creationId xmlns:a16="http://schemas.microsoft.com/office/drawing/2014/main" id="{E190F5EE-5B0F-E14D-5662-A708DDEEEA8D}"/>
+              </a:ext>
+            </a:extLst>
+          </p:cNvPr>
+          <p:cNvSpPr>
+            <a:spLocks noGrp="1"/>
+          </p:cNvSpPr>
+          <p:nvPr>
+            <p:ph type="title"/>
+          </p:nvPr>
+        </p:nvSpPr>
+        <p:spPr/>
+        <p:txBody>
+          <a:bodyPr/>
+          <a:lstStyle/>
+          <a:p>
+            <a:endParaRPr kumimoji="1" lang="zh-CN" altLang="en-US"/>
+          </a:p>
+        </p:txBody>
+      </p:sp>
+      <p:sp>
+        <p:nvSpPr>
+          <p:cNvPr id="3" name="文本占位符 2">
+            <a:extLst>
+              <a:ext uri="{FF2B5EF4-FFF2-40B4-BE49-F238E27FC236}">
+                <a16:creationId xmlns:a16="http://schemas.microsoft.com/office/drawing/2014/main" id="{1C024BF8-5956-3CF6-D7CD-4CA4D64A29EC}"/>
+              </a:ext>
+            </a:extLst>
+          </p:cNvPr>
+          <p:cNvSpPr>
+            <a:spLocks noGrp="1"/>
+          </p:cNvSpPr>
+          <p:nvPr>
+            <p:ph type="body" idx="1"/>
+          </p:nvPr>
+        </p:nvSpPr>
+        <p:spPr/>
+        <p:txBody>
+          <a:bodyPr/>
+          <a:lstStyle/>
+          <a:p>
+            <a:endParaRPr kumimoji="1" lang="zh-CN" altLang="en-US"/>
+          </a:p>
+        </p:txBody>
+      </p:sp>
+      <p:sp>
+        <p:nvSpPr>
+          <p:cNvPr id="4" name="灯片编号占位符 3">
+            <a:extLst>
+              <a:ext uri="{FF2B5EF4-FFF2-40B4-BE49-F238E27FC236}">
+                <a16:creationId xmlns:a16="http://schemas.microsoft.com/office/drawing/2014/main" id="{582FD1B2-A7F3-EF6A-9C4A-BADF48919469}"/>
+              </a:ext>
+            </a:extLst>
+          </p:cNvPr>
+          <p:cNvSpPr>
+            <a:spLocks noGrp="1"/>
+          </p:cNvSpPr>
+          <p:nvPr>
+            <p:ph type="sldNum" idx="12"/>
+          </p:nvPr>
+        </p:nvSpPr>
+        <p:spPr/>
+        <p:txBody>
+          <a:bodyPr/>
+          <a:lstStyle/>
+          <a:p>
+            <a:pPr marL="0" lvl="0" indent="0" algn="r" rtl="0">
+              <a:spcBef>
+                <a:spcPts val="0"/>
+              </a:spcBef>
+              <a:spcAft>
+                <a:spcPts val="0"/>
+              </a:spcAft>
+              <a:buNone/>
+            </a:pPr>
+            <a:fld id="{00000000-1234-1234-1234-123412341234}" type="slidenum">
+              <a:rPr lang="en" smtClean="0"/>
+              <a:t>4</a:t>
+            </a:fld>
+            <a:endParaRPr lang="en"/>
+          </a:p>
+        </p:txBody>
+      </p:sp>
+    </p:spTree>
+    <p:extLst>
+      <p:ext uri="{BB962C8B-B14F-4D97-AF65-F5344CB8AC3E}">
+        <p14:creationId xmlns:p14="http://schemas.microsoft.com/office/powerpoint/2010/main" val="468261874"/>
+      </p:ext>
+    </p:extLst>
+  </p:cSld>
+  <p:clrMapOvr>
+    <a:masterClrMapping/>
+  </p:clrMapOvr>
+</p:sld>
+</file>
+
+<file path=ppt/slides/slide40.xml><?xml version="1.0" encoding="utf-8"?>
 <p:sld xmlns:a="http://schemas.openxmlformats.org/drawingml/2006/main" xmlns:r="http://schemas.openxmlformats.org/officeDocument/2006/relationships" xmlns:p="http://schemas.openxmlformats.org/presentationml/2006/main">
   <p:cSld>
     <p:spTree>
@@ -28524,7 +29410,7 @@
             </a:pPr>
             <a:fld id="{00000000-1234-1234-1234-123412341234}" type="slidenum">
               <a:rPr lang="en"/>
-              <a:t>38</a:t>
+              <a:t>40</a:t>
             </a:fld>
             <a:endParaRPr/>
           </a:p>
@@ -28739,7 +29625,7 @@
 </p:sld>
 </file>
 
-<file path=ppt/slides/slide39.xml><?xml version="1.0" encoding="utf-8"?>
+<file path=ppt/slides/slide41.xml><?xml version="1.0" encoding="utf-8"?>
 <p:sld xmlns:a="http://schemas.openxmlformats.org/drawingml/2006/main" xmlns:r="http://schemas.openxmlformats.org/officeDocument/2006/relationships" xmlns:p="http://schemas.openxmlformats.org/presentationml/2006/main">
   <p:cSld>
     <p:spTree>
@@ -29472,7 +30358,7 @@
             </a:pPr>
             <a:fld id="{00000000-1234-1234-1234-123412341234}" type="slidenum">
               <a:rPr lang="en"/>
-              <a:t>39</a:t>
+              <a:t>41</a:t>
             </a:fld>
             <a:endParaRPr/>
           </a:p>
@@ -29731,125 +30617,7 @@
 </p:sld>
 </file>
 
-<file path=ppt/slides/slide4.xml><?xml version="1.0" encoding="utf-8"?>
-<p:sld xmlns:a="http://schemas.openxmlformats.org/drawingml/2006/main" xmlns:r="http://schemas.openxmlformats.org/officeDocument/2006/relationships" xmlns:p="http://schemas.openxmlformats.org/presentationml/2006/main">
-  <p:cSld>
-    <p:spTree>
-      <p:nvGrpSpPr>
-        <p:cNvPr id="1" name=""/>
-        <p:cNvGrpSpPr/>
-        <p:nvPr/>
-      </p:nvGrpSpPr>
-      <p:grpSpPr>
-        <a:xfrm>
-          <a:off x="0" y="0"/>
-          <a:ext cx="0" cy="0"/>
-          <a:chOff x="0" y="0"/>
-          <a:chExt cx="0" cy="0"/>
-        </a:xfrm>
-      </p:grpSpPr>
-      <p:sp>
-        <p:nvSpPr>
-          <p:cNvPr id="2" name="标题 1">
-            <a:extLst>
-              <a:ext uri="{FF2B5EF4-FFF2-40B4-BE49-F238E27FC236}">
-                <a16:creationId xmlns:a16="http://schemas.microsoft.com/office/drawing/2014/main" id="{21DE0B69-22F0-48D5-A4DA-739CAE36FB90}"/>
-              </a:ext>
-            </a:extLst>
-          </p:cNvPr>
-          <p:cNvSpPr>
-            <a:spLocks noGrp="1"/>
-          </p:cNvSpPr>
-          <p:nvPr>
-            <p:ph type="title"/>
-          </p:nvPr>
-        </p:nvSpPr>
-        <p:spPr/>
-        <p:txBody>
-          <a:bodyPr/>
-          <a:lstStyle/>
-          <a:p>
-            <a:endParaRPr kumimoji="1" lang="zh-CN" altLang="en-US"/>
-          </a:p>
-        </p:txBody>
-      </p:sp>
-      <p:sp>
-        <p:nvSpPr>
-          <p:cNvPr id="3" name="文本占位符 2">
-            <a:extLst>
-              <a:ext uri="{FF2B5EF4-FFF2-40B4-BE49-F238E27FC236}">
-                <a16:creationId xmlns:a16="http://schemas.microsoft.com/office/drawing/2014/main" id="{22691185-69CC-D76C-0558-448A4627671F}"/>
-              </a:ext>
-            </a:extLst>
-          </p:cNvPr>
-          <p:cNvSpPr>
-            <a:spLocks noGrp="1"/>
-          </p:cNvSpPr>
-          <p:nvPr>
-            <p:ph type="body" idx="1"/>
-          </p:nvPr>
-        </p:nvSpPr>
-        <p:spPr/>
-        <p:txBody>
-          <a:bodyPr/>
-          <a:lstStyle/>
-          <a:p>
-            <a:endParaRPr kumimoji="1" lang="zh-CN" altLang="en-US"/>
-          </a:p>
-        </p:txBody>
-      </p:sp>
-      <p:sp>
-        <p:nvSpPr>
-          <p:cNvPr id="4" name="灯片编号占位符 3">
-            <a:extLst>
-              <a:ext uri="{FF2B5EF4-FFF2-40B4-BE49-F238E27FC236}">
-                <a16:creationId xmlns:a16="http://schemas.microsoft.com/office/drawing/2014/main" id="{BD2C87A6-0B7E-6D46-40D6-352295A84300}"/>
-              </a:ext>
-            </a:extLst>
-          </p:cNvPr>
-          <p:cNvSpPr>
-            <a:spLocks noGrp="1"/>
-          </p:cNvSpPr>
-          <p:nvPr>
-            <p:ph type="sldNum" idx="12"/>
-          </p:nvPr>
-        </p:nvSpPr>
-        <p:spPr/>
-        <p:txBody>
-          <a:bodyPr/>
-          <a:lstStyle/>
-          <a:p>
-            <a:pPr marL="0" lvl="0" indent="0" algn="r" rtl="0">
-              <a:spcBef>
-                <a:spcPts val="0"/>
-              </a:spcBef>
-              <a:spcAft>
-                <a:spcPts val="0"/>
-              </a:spcAft>
-              <a:buNone/>
-            </a:pPr>
-            <a:fld id="{00000000-1234-1234-1234-123412341234}" type="slidenum">
-              <a:rPr lang="en" smtClean="0"/>
-              <a:t>4</a:t>
-            </a:fld>
-            <a:endParaRPr lang="en"/>
-          </a:p>
-        </p:txBody>
-      </p:sp>
-    </p:spTree>
-    <p:extLst>
-      <p:ext uri="{BB962C8B-B14F-4D97-AF65-F5344CB8AC3E}">
-        <p14:creationId xmlns:p14="http://schemas.microsoft.com/office/powerpoint/2010/main" val="3987694282"/>
-      </p:ext>
-    </p:extLst>
-  </p:cSld>
-  <p:clrMapOvr>
-    <a:masterClrMapping/>
-  </p:clrMapOvr>
-</p:sld>
-</file>
-
-<file path=ppt/slides/slide40.xml><?xml version="1.0" encoding="utf-8"?>
+<file path=ppt/slides/slide42.xml><?xml version="1.0" encoding="utf-8"?>
 <p:sld xmlns:a="http://schemas.openxmlformats.org/drawingml/2006/main" xmlns:r="http://schemas.openxmlformats.org/officeDocument/2006/relationships" xmlns:p="http://schemas.openxmlformats.org/presentationml/2006/main">
   <p:cSld>
     <p:spTree>
@@ -30665,7 +31433,7 @@
             </a:pPr>
             <a:fld id="{00000000-1234-1234-1234-123412341234}" type="slidenum">
               <a:rPr lang="en"/>
-              <a:t>40</a:t>
+              <a:t>42</a:t>
             </a:fld>
             <a:endParaRPr/>
           </a:p>
@@ -30968,7 +31736,7 @@
 </p:sld>
 </file>
 
-<file path=ppt/slides/slide41.xml><?xml version="1.0" encoding="utf-8"?>
+<file path=ppt/slides/slide43.xml><?xml version="1.0" encoding="utf-8"?>
 <p:sld xmlns:a="http://schemas.openxmlformats.org/drawingml/2006/main" xmlns:r="http://schemas.openxmlformats.org/officeDocument/2006/relationships" xmlns:p="http://schemas.openxmlformats.org/presentationml/2006/main">
   <p:cSld>
     <p:spTree>
@@ -31855,7 +32623,7 @@
             </a:pPr>
             <a:fld id="{00000000-1234-1234-1234-123412341234}" type="slidenum">
               <a:rPr lang="en"/>
-              <a:t>41</a:t>
+              <a:t>43</a:t>
             </a:fld>
             <a:endParaRPr/>
           </a:p>
@@ -32127,7 +32895,7 @@
 </p:sld>
 </file>
 
-<file path=ppt/slides/slide42.xml><?xml version="1.0" encoding="utf-8"?>
+<file path=ppt/slides/slide44.xml><?xml version="1.0" encoding="utf-8"?>
 <p:sld xmlns:a="http://schemas.openxmlformats.org/drawingml/2006/main" xmlns:r="http://schemas.openxmlformats.org/officeDocument/2006/relationships" xmlns:p="http://schemas.openxmlformats.org/presentationml/2006/main">
   <p:cSld>
     <p:spTree>
@@ -32399,7 +33167,7 @@
             </a:pPr>
             <a:fld id="{00000000-1234-1234-1234-123412341234}" type="slidenum">
               <a:rPr lang="en"/>
-              <a:t>42</a:t>
+              <a:t>44</a:t>
             </a:fld>
             <a:endParaRPr/>
           </a:p>
@@ -32413,7 +33181,7 @@
 </p:sld>
 </file>
 
-<file path=ppt/slides/slide43.xml><?xml version="1.0" encoding="utf-8"?>
+<file path=ppt/slides/slide45.xml><?xml version="1.0" encoding="utf-8"?>
 <p:sld xmlns:a="http://schemas.openxmlformats.org/drawingml/2006/main" xmlns:r="http://schemas.openxmlformats.org/officeDocument/2006/relationships" xmlns:p="http://schemas.openxmlformats.org/presentationml/2006/main">
   <p:cSld>
     <p:spTree>
@@ -32861,7 +33629,7 @@
             </a:pPr>
             <a:fld id="{00000000-1234-1234-1234-123412341234}" type="slidenum">
               <a:rPr lang="en"/>
-              <a:t>43</a:t>
+              <a:t>45</a:t>
             </a:fld>
             <a:endParaRPr/>
           </a:p>
@@ -33498,7 +34266,7 @@
 </p:sld>
 </file>
 
-<file path=ppt/slides/slide44.xml><?xml version="1.0" encoding="utf-8"?>
+<file path=ppt/slides/slide46.xml><?xml version="1.0" encoding="utf-8"?>
 <p:sld xmlns:a="http://schemas.openxmlformats.org/drawingml/2006/main" xmlns:r="http://schemas.openxmlformats.org/officeDocument/2006/relationships" xmlns:p="http://schemas.openxmlformats.org/presentationml/2006/main">
   <p:cSld>
     <p:spTree>
@@ -33610,7 +34378,7 @@
             </a:pPr>
             <a:fld id="{00000000-1234-1234-1234-123412341234}" type="slidenum">
               <a:rPr lang="en"/>
-              <a:t>44</a:t>
+              <a:t>46</a:t>
             </a:fld>
             <a:endParaRPr/>
           </a:p>
@@ -34495,7 +35263,7 @@
 </p:sld>
 </file>
 
-<file path=ppt/slides/slide45.xml><?xml version="1.0" encoding="utf-8"?>
+<file path=ppt/slides/slide47.xml><?xml version="1.0" encoding="utf-8"?>
 <p:sld xmlns:a="http://schemas.openxmlformats.org/drawingml/2006/main" xmlns:r="http://schemas.openxmlformats.org/officeDocument/2006/relationships" xmlns:p="http://schemas.openxmlformats.org/presentationml/2006/main">
   <p:cSld>
     <p:spTree>
@@ -34740,7 +35508,7 @@
             </a:pPr>
             <a:fld id="{00000000-1234-1234-1234-123412341234}" type="slidenum">
               <a:rPr lang="en"/>
-              <a:t>45</a:t>
+              <a:t>47</a:t>
             </a:fld>
             <a:endParaRPr/>
           </a:p>
@@ -34754,7 +35522,7 @@
 </p:sld>
 </file>
 
-<file path=ppt/slides/slide46.xml><?xml version="1.0" encoding="utf-8"?>
+<file path=ppt/slides/slide48.xml><?xml version="1.0" encoding="utf-8"?>
 <p:sld xmlns:a="http://schemas.openxmlformats.org/drawingml/2006/main" xmlns:r="http://schemas.openxmlformats.org/officeDocument/2006/relationships" xmlns:p="http://schemas.openxmlformats.org/presentationml/2006/main">
   <p:cSld>
     <p:spTree>
@@ -34931,7 +35699,7 @@
             </a:pPr>
             <a:fld id="{00000000-1234-1234-1234-123412341234}" type="slidenum">
               <a:rPr lang="en"/>
-              <a:t>46</a:t>
+              <a:t>48</a:t>
             </a:fld>
             <a:endParaRPr/>
           </a:p>
@@ -35158,7 +35926,7 @@
 </p:sld>
 </file>
 
-<file path=ppt/slides/slide47.xml><?xml version="1.0" encoding="utf-8"?>
+<file path=ppt/slides/slide49.xml><?xml version="1.0" encoding="utf-8"?>
 <p:sld xmlns:a="http://schemas.openxmlformats.org/drawingml/2006/main" xmlns:r="http://schemas.openxmlformats.org/officeDocument/2006/relationships" xmlns:p="http://schemas.openxmlformats.org/presentationml/2006/main">
   <p:cSld>
     <p:spTree>
@@ -35433,7 +36201,7 @@
             </a:pPr>
             <a:fld id="{00000000-1234-1234-1234-123412341234}" type="slidenum">
               <a:rPr lang="en"/>
-              <a:t>47</a:t>
+              <a:t>49</a:t>
             </a:fld>
             <a:endParaRPr/>
           </a:p>
@@ -35447,7 +36215,198 @@
 </p:sld>
 </file>
 
-<file path=ppt/slides/slide48.xml><?xml version="1.0" encoding="utf-8"?>
+<file path=ppt/slides/slide5.xml><?xml version="1.0" encoding="utf-8"?>
+<p:sld xmlns:a="http://schemas.openxmlformats.org/drawingml/2006/main" xmlns:r="http://schemas.openxmlformats.org/officeDocument/2006/relationships" xmlns:p="http://schemas.openxmlformats.org/presentationml/2006/main">
+  <p:cSld>
+    <p:spTree>
+      <p:nvGrpSpPr>
+        <p:cNvPr id="1" name="Shape 61">
+          <a:extLst>
+            <a:ext uri="{FF2B5EF4-FFF2-40B4-BE49-F238E27FC236}">
+              <a16:creationId xmlns:a16="http://schemas.microsoft.com/office/drawing/2014/main" id="{783290FC-4791-83FD-5DEE-1E48B041D4DF}"/>
+            </a:ext>
+          </a:extLst>
+        </p:cNvPr>
+        <p:cNvGrpSpPr/>
+        <p:nvPr/>
+      </p:nvGrpSpPr>
+      <p:grpSpPr>
+        <a:xfrm>
+          <a:off x="0" y="0"/>
+          <a:ext cx="0" cy="0"/>
+          <a:chOff x="0" y="0"/>
+          <a:chExt cx="0" cy="0"/>
+        </a:xfrm>
+      </p:grpSpPr>
+      <p:sp>
+        <p:nvSpPr>
+          <p:cNvPr id="62" name="Google Shape;62;p14">
+            <a:extLst>
+              <a:ext uri="{FF2B5EF4-FFF2-40B4-BE49-F238E27FC236}">
+                <a16:creationId xmlns:a16="http://schemas.microsoft.com/office/drawing/2014/main" id="{90B3861E-5CFD-ECBC-4567-4A2B6D68A9E8}"/>
+              </a:ext>
+            </a:extLst>
+          </p:cNvPr>
+          <p:cNvSpPr txBox="1">
+            <a:spLocks noGrp="1"/>
+          </p:cNvSpPr>
+          <p:nvPr>
+            <p:ph type="title"/>
+          </p:nvPr>
+        </p:nvSpPr>
+        <p:spPr>
+          <a:xfrm>
+            <a:off x="311700" y="445025"/>
+            <a:ext cx="8520600" cy="572700"/>
+          </a:xfrm>
+          <a:prstGeom prst="rect">
+            <a:avLst/>
+          </a:prstGeom>
+        </p:spPr>
+        <p:txBody>
+          <a:bodyPr spcFirstLastPara="1" wrap="square" lIns="91425" tIns="91425" rIns="91425" bIns="91425" anchor="t" anchorCtr="0">
+            <a:noAutofit/>
+          </a:bodyPr>
+          <a:lstStyle/>
+          <a:p>
+            <a:pPr marL="0" lvl="0" indent="0" algn="l" rtl="0">
+              <a:spcBef>
+                <a:spcPts val="0"/>
+              </a:spcBef>
+              <a:spcAft>
+                <a:spcPts val="0"/>
+              </a:spcAft>
+              <a:buNone/>
+            </a:pPr>
+            <a:r>
+              <a:rPr lang="en" b="1" dirty="0" err="1">
+                <a:latin typeface="SimHei" panose="02010609060101010101" pitchFamily="49" charset="-122"/>
+                <a:ea typeface="SimHei" panose="02010609060101010101" pitchFamily="49" charset="-122"/>
+              </a:rPr>
+              <a:t>摘要</a:t>
+            </a:r>
+            <a:endParaRPr b="1" dirty="0">
+              <a:latin typeface="SimHei" panose="02010609060101010101" pitchFamily="49" charset="-122"/>
+              <a:ea typeface="SimHei" panose="02010609060101010101" pitchFamily="49" charset="-122"/>
+            </a:endParaRPr>
+          </a:p>
+        </p:txBody>
+      </p:sp>
+      <p:sp>
+        <p:nvSpPr>
+          <p:cNvPr id="63" name="Google Shape;63;p14">
+            <a:extLst>
+              <a:ext uri="{FF2B5EF4-FFF2-40B4-BE49-F238E27FC236}">
+                <a16:creationId xmlns:a16="http://schemas.microsoft.com/office/drawing/2014/main" id="{9914738A-A1C8-8878-A332-406EC56E9211}"/>
+              </a:ext>
+            </a:extLst>
+          </p:cNvPr>
+          <p:cNvSpPr txBox="1">
+            <a:spLocks noGrp="1"/>
+          </p:cNvSpPr>
+          <p:nvPr>
+            <p:ph type="sldNum" idx="12"/>
+          </p:nvPr>
+        </p:nvSpPr>
+        <p:spPr>
+          <a:xfrm>
+            <a:off x="8472458" y="4663217"/>
+            <a:ext cx="548700" cy="393600"/>
+          </a:xfrm>
+          <a:prstGeom prst="rect">
+            <a:avLst/>
+          </a:prstGeom>
+        </p:spPr>
+        <p:txBody>
+          <a:bodyPr spcFirstLastPara="1" wrap="square" lIns="91425" tIns="91425" rIns="91425" bIns="91425" anchor="ctr" anchorCtr="0">
+            <a:noAutofit/>
+          </a:bodyPr>
+          <a:lstStyle/>
+          <a:p>
+            <a:pPr marL="0" lvl="0" indent="0" algn="r" rtl="0">
+              <a:spcBef>
+                <a:spcPts val="0"/>
+              </a:spcBef>
+              <a:spcAft>
+                <a:spcPts val="0"/>
+              </a:spcAft>
+              <a:buClr>
+                <a:srgbClr val="000000"/>
+              </a:buClr>
+              <a:buSzPts val="1100"/>
+              <a:buFont typeface="Arial"/>
+              <a:buNone/>
+            </a:pPr>
+            <a:fld id="{00000000-1234-1234-1234-123412341234}" type="slidenum">
+              <a:rPr lang="en"/>
+              <a:t>5</a:t>
+            </a:fld>
+            <a:endParaRPr/>
+          </a:p>
+        </p:txBody>
+      </p:sp>
+      <p:sp>
+        <p:nvSpPr>
+          <p:cNvPr id="64" name="Google Shape;64;p14">
+            <a:extLst>
+              <a:ext uri="{FF2B5EF4-FFF2-40B4-BE49-F238E27FC236}">
+                <a16:creationId xmlns:a16="http://schemas.microsoft.com/office/drawing/2014/main" id="{883FDC84-A065-0260-A4A2-62FCBA88097B}"/>
+              </a:ext>
+            </a:extLst>
+          </p:cNvPr>
+          <p:cNvSpPr txBox="1">
+            <a:spLocks noGrp="1"/>
+          </p:cNvSpPr>
+          <p:nvPr>
+            <p:ph type="body" idx="1"/>
+          </p:nvPr>
+        </p:nvSpPr>
+        <p:spPr>
+          <a:xfrm>
+            <a:off x="311700" y="1152475"/>
+            <a:ext cx="8520600" cy="3416400"/>
+          </a:xfrm>
+          <a:prstGeom prst="rect">
+            <a:avLst/>
+          </a:prstGeom>
+        </p:spPr>
+        <p:txBody>
+          <a:bodyPr spcFirstLastPara="1" wrap="square" lIns="91425" tIns="91425" rIns="91425" bIns="91425" anchor="t" anchorCtr="0">
+            <a:noAutofit/>
+          </a:bodyPr>
+          <a:lstStyle/>
+          <a:p>
+            <a:pPr marL="0" indent="0">
+              <a:buNone/>
+            </a:pPr>
+            <a:r>
+              <a:rPr lang="en-US" altLang="zh-CN" dirty="0">
+                <a:latin typeface="SimHei" panose="02010609060101010101" pitchFamily="49" charset="-122"/>
+                <a:ea typeface="SimHei" panose="02010609060101010101" pitchFamily="49" charset="-122"/>
+              </a:rPr>
+              <a:t>……</a:t>
+            </a:r>
+            <a:endParaRPr lang="zh-CN" altLang="en-US" dirty="0">
+              <a:latin typeface="SimHei" panose="02010609060101010101" pitchFamily="49" charset="-122"/>
+              <a:ea typeface="SimHei" panose="02010609060101010101" pitchFamily="49" charset="-122"/>
+            </a:endParaRPr>
+          </a:p>
+        </p:txBody>
+      </p:sp>
+    </p:spTree>
+    <p:extLst>
+      <p:ext uri="{BB962C8B-B14F-4D97-AF65-F5344CB8AC3E}">
+        <p14:creationId xmlns:p14="http://schemas.microsoft.com/office/powerpoint/2010/main" val="1497422323"/>
+      </p:ext>
+    </p:extLst>
+  </p:cSld>
+  <p:clrMapOvr>
+    <a:masterClrMapping/>
+  </p:clrMapOvr>
+</p:sld>
+</file>
+
+<file path=ppt/slides/slide50.xml><?xml version="1.0" encoding="utf-8"?>
 <p:sld xmlns:a="http://schemas.openxmlformats.org/drawingml/2006/main" xmlns:r="http://schemas.openxmlformats.org/officeDocument/2006/relationships" xmlns:p="http://schemas.openxmlformats.org/presentationml/2006/main">
   <p:cSld>
     <p:spTree>
@@ -35700,7 +36659,7 @@
             </a:pPr>
             <a:fld id="{00000000-1234-1234-1234-123412341234}" type="slidenum">
               <a:rPr lang="en"/>
-              <a:t>48</a:t>
+              <a:t>50</a:t>
             </a:fld>
             <a:endParaRPr/>
           </a:p>
@@ -36110,7 +37069,7 @@
 </p:sld>
 </file>
 
-<file path=ppt/slides/slide49.xml><?xml version="1.0" encoding="utf-8"?>
+<file path=ppt/slides/slide51.xml><?xml version="1.0" encoding="utf-8"?>
 <p:sld xmlns:a="http://schemas.openxmlformats.org/drawingml/2006/main" xmlns:r="http://schemas.openxmlformats.org/officeDocument/2006/relationships" xmlns:p="http://schemas.openxmlformats.org/presentationml/2006/main">
   <p:cSld>
     <p:spTree>
@@ -36210,7 +37169,7 @@
             </a:pPr>
             <a:fld id="{00000000-1234-1234-1234-123412341234}" type="slidenum">
               <a:rPr lang="en"/>
-              <a:t>49</a:t>
+              <a:t>51</a:t>
             </a:fld>
             <a:endParaRPr/>
           </a:p>
@@ -36696,125 +37655,7 @@
 </p:sld>
 </file>
 
-<file path=ppt/slides/slide5.xml><?xml version="1.0" encoding="utf-8"?>
-<p:sld xmlns:a="http://schemas.openxmlformats.org/drawingml/2006/main" xmlns:r="http://schemas.openxmlformats.org/officeDocument/2006/relationships" xmlns:p="http://schemas.openxmlformats.org/presentationml/2006/main">
-  <p:cSld>
-    <p:spTree>
-      <p:nvGrpSpPr>
-        <p:cNvPr id="1" name=""/>
-        <p:cNvGrpSpPr/>
-        <p:nvPr/>
-      </p:nvGrpSpPr>
-      <p:grpSpPr>
-        <a:xfrm>
-          <a:off x="0" y="0"/>
-          <a:ext cx="0" cy="0"/>
-          <a:chOff x="0" y="0"/>
-          <a:chExt cx="0" cy="0"/>
-        </a:xfrm>
-      </p:grpSpPr>
-      <p:sp>
-        <p:nvSpPr>
-          <p:cNvPr id="2" name="标题 1">
-            <a:extLst>
-              <a:ext uri="{FF2B5EF4-FFF2-40B4-BE49-F238E27FC236}">
-                <a16:creationId xmlns:a16="http://schemas.microsoft.com/office/drawing/2014/main" id="{A91B0CAB-8BAA-9DA6-2ABD-F761E5E6F940}"/>
-              </a:ext>
-            </a:extLst>
-          </p:cNvPr>
-          <p:cNvSpPr>
-            <a:spLocks noGrp="1"/>
-          </p:cNvSpPr>
-          <p:nvPr>
-            <p:ph type="title"/>
-          </p:nvPr>
-        </p:nvSpPr>
-        <p:spPr/>
-        <p:txBody>
-          <a:bodyPr/>
-          <a:lstStyle/>
-          <a:p>
-            <a:endParaRPr kumimoji="1" lang="zh-CN" altLang="en-US"/>
-          </a:p>
-        </p:txBody>
-      </p:sp>
-      <p:sp>
-        <p:nvSpPr>
-          <p:cNvPr id="3" name="文本占位符 2">
-            <a:extLst>
-              <a:ext uri="{FF2B5EF4-FFF2-40B4-BE49-F238E27FC236}">
-                <a16:creationId xmlns:a16="http://schemas.microsoft.com/office/drawing/2014/main" id="{5F72F8B6-4BD7-9099-6109-FE6486D94DBF}"/>
-              </a:ext>
-            </a:extLst>
-          </p:cNvPr>
-          <p:cNvSpPr>
-            <a:spLocks noGrp="1"/>
-          </p:cNvSpPr>
-          <p:nvPr>
-            <p:ph type="body" idx="1"/>
-          </p:nvPr>
-        </p:nvSpPr>
-        <p:spPr/>
-        <p:txBody>
-          <a:bodyPr/>
-          <a:lstStyle/>
-          <a:p>
-            <a:endParaRPr kumimoji="1" lang="zh-CN" altLang="en-US"/>
-          </a:p>
-        </p:txBody>
-      </p:sp>
-      <p:sp>
-        <p:nvSpPr>
-          <p:cNvPr id="4" name="灯片编号占位符 3">
-            <a:extLst>
-              <a:ext uri="{FF2B5EF4-FFF2-40B4-BE49-F238E27FC236}">
-                <a16:creationId xmlns:a16="http://schemas.microsoft.com/office/drawing/2014/main" id="{32142544-C926-B0CD-8944-D937957CB258}"/>
-              </a:ext>
-            </a:extLst>
-          </p:cNvPr>
-          <p:cNvSpPr>
-            <a:spLocks noGrp="1"/>
-          </p:cNvSpPr>
-          <p:nvPr>
-            <p:ph type="sldNum" idx="12"/>
-          </p:nvPr>
-        </p:nvSpPr>
-        <p:spPr/>
-        <p:txBody>
-          <a:bodyPr/>
-          <a:lstStyle/>
-          <a:p>
-            <a:pPr marL="0" lvl="0" indent="0" algn="r" rtl="0">
-              <a:spcBef>
-                <a:spcPts val="0"/>
-              </a:spcBef>
-              <a:spcAft>
-                <a:spcPts val="0"/>
-              </a:spcAft>
-              <a:buNone/>
-            </a:pPr>
-            <a:fld id="{00000000-1234-1234-1234-123412341234}" type="slidenum">
-              <a:rPr lang="en" smtClean="0"/>
-              <a:t>5</a:t>
-            </a:fld>
-            <a:endParaRPr lang="en"/>
-          </a:p>
-        </p:txBody>
-      </p:sp>
-    </p:spTree>
-    <p:extLst>
-      <p:ext uri="{BB962C8B-B14F-4D97-AF65-F5344CB8AC3E}">
-        <p14:creationId xmlns:p14="http://schemas.microsoft.com/office/powerpoint/2010/main" val="1757546466"/>
-      </p:ext>
-    </p:extLst>
-  </p:cSld>
-  <p:clrMapOvr>
-    <a:masterClrMapping/>
-  </p:clrMapOvr>
-</p:sld>
-</file>
-
-<file path=ppt/slides/slide50.xml><?xml version="1.0" encoding="utf-8"?>
+<file path=ppt/slides/slide52.xml><?xml version="1.0" encoding="utf-8"?>
 <p:sld xmlns:a="http://schemas.openxmlformats.org/drawingml/2006/main" xmlns:r="http://schemas.openxmlformats.org/officeDocument/2006/relationships" xmlns:p="http://schemas.openxmlformats.org/presentationml/2006/main">
   <p:cSld>
     <p:spTree>
@@ -36872,7 +37713,7 @@
             </a:pPr>
             <a:fld id="{00000000-1234-1234-1234-123412341234}" type="slidenum">
               <a:rPr lang="en"/>
-              <a:t>50</a:t>
+              <a:t>52</a:t>
             </a:fld>
             <a:endParaRPr/>
           </a:p>
@@ -36944,7 +37785,7 @@
 </p:sld>
 </file>
 
-<file path=ppt/slides/slide51.xml><?xml version="1.0" encoding="utf-8"?>
+<file path=ppt/slides/slide53.xml><?xml version="1.0" encoding="utf-8"?>
 <p:sld xmlns:a="http://schemas.openxmlformats.org/drawingml/2006/main" xmlns:r="http://schemas.openxmlformats.org/officeDocument/2006/relationships" xmlns:p="http://schemas.openxmlformats.org/presentationml/2006/main">
   <p:cSld>
     <p:spTree>
@@ -37115,7 +37956,7 @@
             </a:pPr>
             <a:fld id="{00000000-1234-1234-1234-123412341234}" type="slidenum">
               <a:rPr lang="en"/>
-              <a:t>51</a:t>
+              <a:t>53</a:t>
             </a:fld>
             <a:endParaRPr/>
           </a:p>
@@ -37342,7 +38183,7 @@
 </p:sld>
 </file>
 
-<file path=ppt/slides/slide52.xml><?xml version="1.0" encoding="utf-8"?>
+<file path=ppt/slides/slide54.xml><?xml version="1.0" encoding="utf-8"?>
 <p:sld xmlns:a="http://schemas.openxmlformats.org/drawingml/2006/main" xmlns:r="http://schemas.openxmlformats.org/officeDocument/2006/relationships" xmlns:p="http://schemas.openxmlformats.org/presentationml/2006/main">
   <p:cSld>
     <p:spTree>
@@ -37400,7 +38241,7 @@
             </a:pPr>
             <a:fld id="{00000000-1234-1234-1234-123412341234}" type="slidenum">
               <a:rPr lang="en"/>
-              <a:t>52</a:t>
+              <a:t>54</a:t>
             </a:fld>
             <a:endParaRPr/>
           </a:p>
@@ -37472,7 +38313,7 @@
 </p:sld>
 </file>
 
-<file path=ppt/slides/slide53.xml><?xml version="1.0" encoding="utf-8"?>
+<file path=ppt/slides/slide55.xml><?xml version="1.0" encoding="utf-8"?>
 <p:sld xmlns:a="http://schemas.openxmlformats.org/drawingml/2006/main" xmlns:r="http://schemas.openxmlformats.org/officeDocument/2006/relationships" xmlns:p="http://schemas.openxmlformats.org/presentationml/2006/main">
   <p:cSld>
     <p:spTree>
@@ -37676,7 +38517,7 @@
             </a:pPr>
             <a:fld id="{00000000-1234-1234-1234-123412341234}" type="slidenum">
               <a:rPr lang="en"/>
-              <a:t>53</a:t>
+              <a:t>55</a:t>
             </a:fld>
             <a:endParaRPr/>
           </a:p>
@@ -38025,7 +38866,7 @@
 </p:sld>
 </file>
 
-<file path=ppt/slides/slide54.xml><?xml version="1.0" encoding="utf-8"?>
+<file path=ppt/slides/slide56.xml><?xml version="1.0" encoding="utf-8"?>
 <p:sld xmlns:a="http://schemas.openxmlformats.org/drawingml/2006/main" xmlns:r="http://schemas.openxmlformats.org/officeDocument/2006/relationships" xmlns:p="http://schemas.openxmlformats.org/presentationml/2006/main">
   <p:cSld>
     <p:spTree>
@@ -38303,7 +39144,7 @@
             </a:pPr>
             <a:fld id="{00000000-1234-1234-1234-123412341234}" type="slidenum">
               <a:rPr lang="en"/>
-              <a:t>54</a:t>
+              <a:t>56</a:t>
             </a:fld>
             <a:endParaRPr/>
           </a:p>
@@ -38317,7 +39158,7 @@
 </p:sld>
 </file>
 
-<file path=ppt/slides/slide55.xml><?xml version="1.0" encoding="utf-8"?>
+<file path=ppt/slides/slide57.xml><?xml version="1.0" encoding="utf-8"?>
 <p:sld xmlns:a="http://schemas.openxmlformats.org/drawingml/2006/main" xmlns:r="http://schemas.openxmlformats.org/officeDocument/2006/relationships" xmlns:p="http://schemas.openxmlformats.org/presentationml/2006/main">
   <p:cSld>
     <p:spTree>
@@ -38764,7 +39605,7 @@
             </a:pPr>
             <a:fld id="{00000000-1234-1234-1234-123412341234}" type="slidenum">
               <a:rPr lang="en"/>
-              <a:t>55</a:t>
+              <a:t>57</a:t>
             </a:fld>
             <a:endParaRPr/>
           </a:p>
@@ -38778,7 +39619,7 @@
 </p:sld>
 </file>
 
-<file path=ppt/slides/slide56.xml><?xml version="1.0" encoding="utf-8"?>
+<file path=ppt/slides/slide58.xml><?xml version="1.0" encoding="utf-8"?>
 <p:sld xmlns:a="http://schemas.openxmlformats.org/drawingml/2006/main" xmlns:r="http://schemas.openxmlformats.org/officeDocument/2006/relationships" xmlns:p="http://schemas.openxmlformats.org/presentationml/2006/main">
   <p:cSld>
     <p:spTree>
@@ -38836,7 +39677,7 @@
             </a:pPr>
             <a:fld id="{00000000-1234-1234-1234-123412341234}" type="slidenum">
               <a:rPr lang="en"/>
-              <a:t>56</a:t>
+              <a:t>58</a:t>
             </a:fld>
             <a:endParaRPr/>
           </a:p>
@@ -38932,6 +39773,242 @@
 </file>
 
 <file path=ppt/slides/slide6.xml><?xml version="1.0" encoding="utf-8"?>
+<p:sld xmlns:a="http://schemas.openxmlformats.org/drawingml/2006/main" xmlns:r="http://schemas.openxmlformats.org/officeDocument/2006/relationships" xmlns:p="http://schemas.openxmlformats.org/presentationml/2006/main">
+  <p:cSld>
+    <p:spTree>
+      <p:nvGrpSpPr>
+        <p:cNvPr id="1" name=""/>
+        <p:cNvGrpSpPr/>
+        <p:nvPr/>
+      </p:nvGrpSpPr>
+      <p:grpSpPr>
+        <a:xfrm>
+          <a:off x="0" y="0"/>
+          <a:ext cx="0" cy="0"/>
+          <a:chOff x="0" y="0"/>
+          <a:chExt cx="0" cy="0"/>
+        </a:xfrm>
+      </p:grpSpPr>
+      <p:sp>
+        <p:nvSpPr>
+          <p:cNvPr id="2" name="标题 1">
+            <a:extLst>
+              <a:ext uri="{FF2B5EF4-FFF2-40B4-BE49-F238E27FC236}">
+                <a16:creationId xmlns:a16="http://schemas.microsoft.com/office/drawing/2014/main" id="{21DE0B69-22F0-48D5-A4DA-739CAE36FB90}"/>
+              </a:ext>
+            </a:extLst>
+          </p:cNvPr>
+          <p:cNvSpPr>
+            <a:spLocks noGrp="1"/>
+          </p:cNvSpPr>
+          <p:nvPr>
+            <p:ph type="title"/>
+          </p:nvPr>
+        </p:nvSpPr>
+        <p:spPr/>
+        <p:txBody>
+          <a:bodyPr/>
+          <a:lstStyle/>
+          <a:p>
+            <a:endParaRPr kumimoji="1" lang="zh-CN" altLang="en-US"/>
+          </a:p>
+        </p:txBody>
+      </p:sp>
+      <p:sp>
+        <p:nvSpPr>
+          <p:cNvPr id="3" name="文本占位符 2">
+            <a:extLst>
+              <a:ext uri="{FF2B5EF4-FFF2-40B4-BE49-F238E27FC236}">
+                <a16:creationId xmlns:a16="http://schemas.microsoft.com/office/drawing/2014/main" id="{22691185-69CC-D76C-0558-448A4627671F}"/>
+              </a:ext>
+            </a:extLst>
+          </p:cNvPr>
+          <p:cNvSpPr>
+            <a:spLocks noGrp="1"/>
+          </p:cNvSpPr>
+          <p:nvPr>
+            <p:ph type="body" idx="1"/>
+          </p:nvPr>
+        </p:nvSpPr>
+        <p:spPr/>
+        <p:txBody>
+          <a:bodyPr/>
+          <a:lstStyle/>
+          <a:p>
+            <a:endParaRPr kumimoji="1" lang="zh-CN" altLang="en-US"/>
+          </a:p>
+        </p:txBody>
+      </p:sp>
+      <p:sp>
+        <p:nvSpPr>
+          <p:cNvPr id="4" name="灯片编号占位符 3">
+            <a:extLst>
+              <a:ext uri="{FF2B5EF4-FFF2-40B4-BE49-F238E27FC236}">
+                <a16:creationId xmlns:a16="http://schemas.microsoft.com/office/drawing/2014/main" id="{BD2C87A6-0B7E-6D46-40D6-352295A84300}"/>
+              </a:ext>
+            </a:extLst>
+          </p:cNvPr>
+          <p:cNvSpPr>
+            <a:spLocks noGrp="1"/>
+          </p:cNvSpPr>
+          <p:nvPr>
+            <p:ph type="sldNum" idx="12"/>
+          </p:nvPr>
+        </p:nvSpPr>
+        <p:spPr/>
+        <p:txBody>
+          <a:bodyPr/>
+          <a:lstStyle/>
+          <a:p>
+            <a:pPr marL="0" lvl="0" indent="0" algn="r" rtl="0">
+              <a:spcBef>
+                <a:spcPts val="0"/>
+              </a:spcBef>
+              <a:spcAft>
+                <a:spcPts val="0"/>
+              </a:spcAft>
+              <a:buNone/>
+            </a:pPr>
+            <a:fld id="{00000000-1234-1234-1234-123412341234}" type="slidenum">
+              <a:rPr lang="en" smtClean="0"/>
+              <a:t>6</a:t>
+            </a:fld>
+            <a:endParaRPr lang="en"/>
+          </a:p>
+        </p:txBody>
+      </p:sp>
+    </p:spTree>
+    <p:extLst>
+      <p:ext uri="{BB962C8B-B14F-4D97-AF65-F5344CB8AC3E}">
+        <p14:creationId xmlns:p14="http://schemas.microsoft.com/office/powerpoint/2010/main" val="3987694282"/>
+      </p:ext>
+    </p:extLst>
+  </p:cSld>
+  <p:clrMapOvr>
+    <a:masterClrMapping/>
+  </p:clrMapOvr>
+</p:sld>
+</file>
+
+<file path=ppt/slides/slide7.xml><?xml version="1.0" encoding="utf-8"?>
+<p:sld xmlns:a="http://schemas.openxmlformats.org/drawingml/2006/main" xmlns:r="http://schemas.openxmlformats.org/officeDocument/2006/relationships" xmlns:p="http://schemas.openxmlformats.org/presentationml/2006/main">
+  <p:cSld>
+    <p:spTree>
+      <p:nvGrpSpPr>
+        <p:cNvPr id="1" name=""/>
+        <p:cNvGrpSpPr/>
+        <p:nvPr/>
+      </p:nvGrpSpPr>
+      <p:grpSpPr>
+        <a:xfrm>
+          <a:off x="0" y="0"/>
+          <a:ext cx="0" cy="0"/>
+          <a:chOff x="0" y="0"/>
+          <a:chExt cx="0" cy="0"/>
+        </a:xfrm>
+      </p:grpSpPr>
+      <p:sp>
+        <p:nvSpPr>
+          <p:cNvPr id="2" name="标题 1">
+            <a:extLst>
+              <a:ext uri="{FF2B5EF4-FFF2-40B4-BE49-F238E27FC236}">
+                <a16:creationId xmlns:a16="http://schemas.microsoft.com/office/drawing/2014/main" id="{A91B0CAB-8BAA-9DA6-2ABD-F761E5E6F940}"/>
+              </a:ext>
+            </a:extLst>
+          </p:cNvPr>
+          <p:cNvSpPr>
+            <a:spLocks noGrp="1"/>
+          </p:cNvSpPr>
+          <p:nvPr>
+            <p:ph type="title"/>
+          </p:nvPr>
+        </p:nvSpPr>
+        <p:spPr/>
+        <p:txBody>
+          <a:bodyPr/>
+          <a:lstStyle/>
+          <a:p>
+            <a:endParaRPr kumimoji="1" lang="zh-CN" altLang="en-US"/>
+          </a:p>
+        </p:txBody>
+      </p:sp>
+      <p:sp>
+        <p:nvSpPr>
+          <p:cNvPr id="3" name="文本占位符 2">
+            <a:extLst>
+              <a:ext uri="{FF2B5EF4-FFF2-40B4-BE49-F238E27FC236}">
+                <a16:creationId xmlns:a16="http://schemas.microsoft.com/office/drawing/2014/main" id="{5F72F8B6-4BD7-9099-6109-FE6486D94DBF}"/>
+              </a:ext>
+            </a:extLst>
+          </p:cNvPr>
+          <p:cNvSpPr>
+            <a:spLocks noGrp="1"/>
+          </p:cNvSpPr>
+          <p:nvPr>
+            <p:ph type="body" idx="1"/>
+          </p:nvPr>
+        </p:nvSpPr>
+        <p:spPr/>
+        <p:txBody>
+          <a:bodyPr/>
+          <a:lstStyle/>
+          <a:p>
+            <a:endParaRPr kumimoji="1" lang="zh-CN" altLang="en-US"/>
+          </a:p>
+        </p:txBody>
+      </p:sp>
+      <p:sp>
+        <p:nvSpPr>
+          <p:cNvPr id="4" name="灯片编号占位符 3">
+            <a:extLst>
+              <a:ext uri="{FF2B5EF4-FFF2-40B4-BE49-F238E27FC236}">
+                <a16:creationId xmlns:a16="http://schemas.microsoft.com/office/drawing/2014/main" id="{32142544-C926-B0CD-8944-D937957CB258}"/>
+              </a:ext>
+            </a:extLst>
+          </p:cNvPr>
+          <p:cNvSpPr>
+            <a:spLocks noGrp="1"/>
+          </p:cNvSpPr>
+          <p:nvPr>
+            <p:ph type="sldNum" idx="12"/>
+          </p:nvPr>
+        </p:nvSpPr>
+        <p:spPr/>
+        <p:txBody>
+          <a:bodyPr/>
+          <a:lstStyle/>
+          <a:p>
+            <a:pPr marL="0" lvl="0" indent="0" algn="r" rtl="0">
+              <a:spcBef>
+                <a:spcPts val="0"/>
+              </a:spcBef>
+              <a:spcAft>
+                <a:spcPts val="0"/>
+              </a:spcAft>
+              <a:buNone/>
+            </a:pPr>
+            <a:fld id="{00000000-1234-1234-1234-123412341234}" type="slidenum">
+              <a:rPr lang="en" smtClean="0"/>
+              <a:t>7</a:t>
+            </a:fld>
+            <a:endParaRPr lang="en"/>
+          </a:p>
+        </p:txBody>
+      </p:sp>
+    </p:spTree>
+    <p:extLst>
+      <p:ext uri="{BB962C8B-B14F-4D97-AF65-F5344CB8AC3E}">
+        <p14:creationId xmlns:p14="http://schemas.microsoft.com/office/powerpoint/2010/main" val="1757546466"/>
+      </p:ext>
+    </p:extLst>
+  </p:cSld>
+  <p:clrMapOvr>
+    <a:masterClrMapping/>
+  </p:clrMapOvr>
+</p:sld>
+</file>
+
+<file path=ppt/slides/slide8.xml><?xml version="1.0" encoding="utf-8"?>
 <p:sld xmlns:a="http://schemas.openxmlformats.org/drawingml/2006/main" xmlns:r="http://schemas.openxmlformats.org/officeDocument/2006/relationships" xmlns:p="http://schemas.openxmlformats.org/presentationml/2006/main">
   <p:cSld>
     <p:spTree>
@@ -39030,7 +40107,7 @@
             </a:pPr>
             <a:fld id="{00000000-1234-1234-1234-123412341234}" type="slidenum">
               <a:rPr lang="en" smtClean="0"/>
-              <a:t>6</a:t>
+              <a:t>8</a:t>
             </a:fld>
             <a:endParaRPr lang="en"/>
           </a:p>
@@ -39049,7 +40126,7 @@
 </p:sld>
 </file>
 
-<file path=ppt/slides/slide7.xml><?xml version="1.0" encoding="utf-8"?>
+<file path=ppt/slides/slide9.xml><?xml version="1.0" encoding="utf-8"?>
 <p:sld xmlns:a="http://schemas.openxmlformats.org/drawingml/2006/main" xmlns:r="http://schemas.openxmlformats.org/officeDocument/2006/relationships" xmlns:p="http://schemas.openxmlformats.org/presentationml/2006/main">
   <p:cSld>
     <p:spTree>
@@ -39149,7 +40226,7 @@
             </a:pPr>
             <a:fld id="{00000000-1234-1234-1234-123412341234}" type="slidenum">
               <a:rPr lang="en"/>
-              <a:t>7</a:t>
+              <a:t>9</a:t>
             </a:fld>
             <a:endParaRPr/>
           </a:p>
@@ -39551,833 +40628,6 @@
       </p:par>
     </p:tnLst>
   </p:timing>
-</p:sld>
-</file>
-
-<file path=ppt/slides/slide8.xml><?xml version="1.0" encoding="utf-8"?>
-<p:sld xmlns:a="http://schemas.openxmlformats.org/drawingml/2006/main" xmlns:r="http://schemas.openxmlformats.org/officeDocument/2006/relationships" xmlns:p="http://schemas.openxmlformats.org/presentationml/2006/main">
-  <p:cSld>
-    <p:spTree>
-      <p:nvGrpSpPr>
-        <p:cNvPr id="1" name="Shape 61">
-          <a:extLst>
-            <a:ext uri="{FF2B5EF4-FFF2-40B4-BE49-F238E27FC236}">
-              <a16:creationId xmlns:a16="http://schemas.microsoft.com/office/drawing/2014/main" id="{59627FC0-E55B-2F4E-6C08-DFE10367D832}"/>
-            </a:ext>
-          </a:extLst>
-        </p:cNvPr>
-        <p:cNvGrpSpPr/>
-        <p:nvPr/>
-      </p:nvGrpSpPr>
-      <p:grpSpPr>
-        <a:xfrm>
-          <a:off x="0" y="0"/>
-          <a:ext cx="0" cy="0"/>
-          <a:chOff x="0" y="0"/>
-          <a:chExt cx="0" cy="0"/>
-        </a:xfrm>
-      </p:grpSpPr>
-      <p:sp>
-        <p:nvSpPr>
-          <p:cNvPr id="62" name="Google Shape;62;p14">
-            <a:extLst>
-              <a:ext uri="{FF2B5EF4-FFF2-40B4-BE49-F238E27FC236}">
-                <a16:creationId xmlns:a16="http://schemas.microsoft.com/office/drawing/2014/main" id="{7F0DBCBF-9ACA-51D6-434F-52A7EE87253D}"/>
-              </a:ext>
-            </a:extLst>
-          </p:cNvPr>
-          <p:cNvSpPr txBox="1">
-            <a:spLocks noGrp="1"/>
-          </p:cNvSpPr>
-          <p:nvPr>
-            <p:ph type="title"/>
-          </p:nvPr>
-        </p:nvSpPr>
-        <p:spPr>
-          <a:xfrm>
-            <a:off x="311700" y="445025"/>
-            <a:ext cx="8520600" cy="572700"/>
-          </a:xfrm>
-          <a:prstGeom prst="rect">
-            <a:avLst/>
-          </a:prstGeom>
-        </p:spPr>
-        <p:txBody>
-          <a:bodyPr spcFirstLastPara="1" wrap="square" lIns="91425" tIns="91425" rIns="91425" bIns="91425" anchor="t" anchorCtr="0">
-            <a:noAutofit/>
-          </a:bodyPr>
-          <a:lstStyle/>
-          <a:p>
-            <a:pPr marL="0" lvl="0" indent="0" algn="l" rtl="0">
-              <a:spcBef>
-                <a:spcPts val="0"/>
-              </a:spcBef>
-              <a:spcAft>
-                <a:spcPts val="0"/>
-              </a:spcAft>
-              <a:buNone/>
-            </a:pPr>
-            <a:r>
-              <a:rPr lang="en"/>
-              <a:t>Understanding the Words / Atoms of Programming</a:t>
-            </a:r>
-            <a:endParaRPr/>
-          </a:p>
-        </p:txBody>
-      </p:sp>
-      <p:sp>
-        <p:nvSpPr>
-          <p:cNvPr id="63" name="Google Shape;63;p14">
-            <a:extLst>
-              <a:ext uri="{FF2B5EF4-FFF2-40B4-BE49-F238E27FC236}">
-                <a16:creationId xmlns:a16="http://schemas.microsoft.com/office/drawing/2014/main" id="{98E8D85C-AA15-7CAA-6173-742D698123AE}"/>
-              </a:ext>
-            </a:extLst>
-          </p:cNvPr>
-          <p:cNvSpPr txBox="1">
-            <a:spLocks noGrp="1"/>
-          </p:cNvSpPr>
-          <p:nvPr>
-            <p:ph type="sldNum" idx="12"/>
-          </p:nvPr>
-        </p:nvSpPr>
-        <p:spPr>
-          <a:xfrm>
-            <a:off x="8472458" y="4663217"/>
-            <a:ext cx="548700" cy="393600"/>
-          </a:xfrm>
-          <a:prstGeom prst="rect">
-            <a:avLst/>
-          </a:prstGeom>
-        </p:spPr>
-        <p:txBody>
-          <a:bodyPr spcFirstLastPara="1" wrap="square" lIns="91425" tIns="91425" rIns="91425" bIns="91425" anchor="ctr" anchorCtr="0">
-            <a:noAutofit/>
-          </a:bodyPr>
-          <a:lstStyle/>
-          <a:p>
-            <a:pPr marL="0" lvl="0" indent="0" algn="r" rtl="0">
-              <a:spcBef>
-                <a:spcPts val="0"/>
-              </a:spcBef>
-              <a:spcAft>
-                <a:spcPts val="0"/>
-              </a:spcAft>
-              <a:buClr>
-                <a:srgbClr val="000000"/>
-              </a:buClr>
-              <a:buSzPts val="1100"/>
-              <a:buFont typeface="Arial"/>
-              <a:buNone/>
-            </a:pPr>
-            <a:fld id="{00000000-1234-1234-1234-123412341234}" type="slidenum">
-              <a:rPr lang="en"/>
-              <a:t>8</a:t>
-            </a:fld>
-            <a:endParaRPr/>
-          </a:p>
-        </p:txBody>
-      </p:sp>
-      <p:sp>
-        <p:nvSpPr>
-          <p:cNvPr id="64" name="Google Shape;64;p14">
-            <a:extLst>
-              <a:ext uri="{FF2B5EF4-FFF2-40B4-BE49-F238E27FC236}">
-                <a16:creationId xmlns:a16="http://schemas.microsoft.com/office/drawing/2014/main" id="{84794C26-9573-94F6-851B-63A22B1F6EF2}"/>
-              </a:ext>
-            </a:extLst>
-          </p:cNvPr>
-          <p:cNvSpPr txBox="1">
-            <a:spLocks noGrp="1"/>
-          </p:cNvSpPr>
-          <p:nvPr>
-            <p:ph type="body" idx="1"/>
-          </p:nvPr>
-        </p:nvSpPr>
-        <p:spPr>
-          <a:xfrm>
-            <a:off x="311700" y="1152475"/>
-            <a:ext cx="8520600" cy="3416400"/>
-          </a:xfrm>
-          <a:prstGeom prst="rect">
-            <a:avLst/>
-          </a:prstGeom>
-        </p:spPr>
-        <p:txBody>
-          <a:bodyPr spcFirstLastPara="1" wrap="square" lIns="91425" tIns="91425" rIns="91425" bIns="91425" anchor="t" anchorCtr="0">
-            <a:noAutofit/>
-          </a:bodyPr>
-          <a:lstStyle/>
-          <a:p>
-            <a:pPr marL="0" lvl="0" indent="0" algn="l" rtl="0">
-              <a:spcBef>
-                <a:spcPts val="0"/>
-              </a:spcBef>
-              <a:spcAft>
-                <a:spcPts val="0"/>
-              </a:spcAft>
-              <a:buNone/>
-            </a:pPr>
-            <a:r>
-              <a:rPr lang="en" dirty="0"/>
-              <a:t>Python is made up of different kinds of “words” ~ atoms, which can be used to construct sentences and paragraphs (statements and code blocks). Some types of ‘words’ in Python include:</a:t>
-            </a:r>
-            <a:endParaRPr dirty="0"/>
-          </a:p>
-          <a:p>
-            <a:pPr marL="1828800" lvl="0" indent="-342900" algn="l" rtl="0">
-              <a:spcBef>
-                <a:spcPts val="1600"/>
-              </a:spcBef>
-              <a:spcAft>
-                <a:spcPts val="0"/>
-              </a:spcAft>
-              <a:buSzPts val="1800"/>
-              <a:buChar char="-"/>
-            </a:pPr>
-            <a:r>
-              <a:rPr lang="en" dirty="0"/>
-              <a:t>constants </a:t>
-            </a:r>
-            <a:r>
-              <a:rPr lang="en" dirty="0">
-                <a:solidFill>
-                  <a:srgbClr val="CCCCCC"/>
-                </a:solidFill>
-              </a:rPr>
-              <a:t>are values</a:t>
-            </a:r>
-            <a:endParaRPr dirty="0"/>
-          </a:p>
-          <a:p>
-            <a:pPr marL="1828800" lvl="0" indent="-342900" algn="l" rtl="0">
-              <a:spcBef>
-                <a:spcPts val="0"/>
-              </a:spcBef>
-              <a:spcAft>
-                <a:spcPts val="0"/>
-              </a:spcAft>
-              <a:buSzPts val="1800"/>
-              <a:buChar char="-"/>
-            </a:pPr>
-            <a:r>
-              <a:rPr lang="en" dirty="0"/>
-              <a:t>variables</a:t>
-            </a:r>
-            <a:r>
-              <a:rPr lang="en" dirty="0">
-                <a:solidFill>
-                  <a:srgbClr val="CCCCCC"/>
-                </a:solidFill>
-              </a:rPr>
-              <a:t> hold things inside of them</a:t>
-            </a:r>
-            <a:endParaRPr dirty="0"/>
-          </a:p>
-          <a:p>
-            <a:pPr marL="1828800" lvl="0" indent="-342900" algn="l" rtl="0">
-              <a:spcBef>
-                <a:spcPts val="0"/>
-              </a:spcBef>
-              <a:spcAft>
-                <a:spcPts val="0"/>
-              </a:spcAft>
-              <a:buSzPts val="1800"/>
-              <a:buChar char="-"/>
-            </a:pPr>
-            <a:r>
-              <a:rPr lang="en" dirty="0"/>
-              <a:t>reserved words</a:t>
-            </a:r>
-            <a:endParaRPr dirty="0"/>
-          </a:p>
-          <a:p>
-            <a:pPr marL="1828800" lvl="0" indent="-342900" algn="l" rtl="0">
-              <a:spcBef>
-                <a:spcPts val="0"/>
-              </a:spcBef>
-              <a:spcAft>
-                <a:spcPts val="0"/>
-              </a:spcAft>
-              <a:buSzPts val="1800"/>
-              <a:buChar char="-"/>
-            </a:pPr>
-            <a:r>
-              <a:rPr lang="en" dirty="0"/>
-              <a:t>operators</a:t>
-            </a:r>
-            <a:r>
-              <a:rPr lang="en" dirty="0">
-                <a:solidFill>
-                  <a:srgbClr val="CCCCCC"/>
-                </a:solidFill>
-              </a:rPr>
-              <a:t> perform actions</a:t>
-            </a:r>
-            <a:endParaRPr dirty="0">
-              <a:solidFill>
-                <a:srgbClr val="D9D9D9"/>
-              </a:solidFill>
-            </a:endParaRPr>
-          </a:p>
-          <a:p>
-            <a:pPr marL="1828800" lvl="0" indent="-342900" algn="l" rtl="0">
-              <a:spcBef>
-                <a:spcPts val="0"/>
-              </a:spcBef>
-              <a:spcAft>
-                <a:spcPts val="0"/>
-              </a:spcAft>
-              <a:buSzPts val="1800"/>
-              <a:buChar char="-"/>
-            </a:pPr>
-            <a:r>
-              <a:rPr lang="en" dirty="0"/>
-              <a:t>built-in functions </a:t>
-            </a:r>
-            <a:r>
-              <a:rPr lang="en" dirty="0">
-                <a:solidFill>
-                  <a:srgbClr val="CCCCCC"/>
-                </a:solidFill>
-              </a:rPr>
-              <a:t>perform actions</a:t>
-            </a:r>
-            <a:endParaRPr dirty="0">
-              <a:solidFill>
-                <a:srgbClr val="CCCCCC"/>
-              </a:solidFill>
-            </a:endParaRPr>
-          </a:p>
-          <a:p>
-            <a:pPr marL="1828800" lvl="0" indent="-342900" algn="l" rtl="0">
-              <a:spcBef>
-                <a:spcPts val="0"/>
-              </a:spcBef>
-              <a:spcAft>
-                <a:spcPts val="0"/>
-              </a:spcAft>
-              <a:buSzPts val="1800"/>
-              <a:buChar char="-"/>
-            </a:pPr>
-            <a:r>
-              <a:rPr lang="en" dirty="0"/>
-              <a:t>modules</a:t>
-            </a:r>
-            <a:endParaRPr dirty="0"/>
-          </a:p>
-        </p:txBody>
-      </p:sp>
-      <p:grpSp>
-        <p:nvGrpSpPr>
-          <p:cNvPr id="65" name="Google Shape;65;p14">
-            <a:extLst>
-              <a:ext uri="{FF2B5EF4-FFF2-40B4-BE49-F238E27FC236}">
-                <a16:creationId xmlns:a16="http://schemas.microsoft.com/office/drawing/2014/main" id="{70335850-AEAA-3275-9704-E12349CFF182}"/>
-              </a:ext>
-            </a:extLst>
-          </p:cNvPr>
-          <p:cNvGrpSpPr/>
-          <p:nvPr/>
-        </p:nvGrpSpPr>
-        <p:grpSpPr>
-          <a:xfrm>
-            <a:off x="6093925" y="2432775"/>
-            <a:ext cx="1187700" cy="1445700"/>
-            <a:chOff x="5636725" y="2432775"/>
-            <a:chExt cx="1187700" cy="1445700"/>
-          </a:xfrm>
-        </p:grpSpPr>
-        <p:sp>
-          <p:nvSpPr>
-            <p:cNvPr id="66" name="Google Shape;66;p14">
-              <a:extLst>
-                <a:ext uri="{FF2B5EF4-FFF2-40B4-BE49-F238E27FC236}">
-                  <a16:creationId xmlns:a16="http://schemas.microsoft.com/office/drawing/2014/main" id="{4A97716B-AD34-A517-B398-BF779F35F4C5}"/>
-                </a:ext>
-              </a:extLst>
-            </p:cNvPr>
-            <p:cNvSpPr/>
-            <p:nvPr/>
-          </p:nvSpPr>
-          <p:spPr>
-            <a:xfrm>
-              <a:off x="5636725" y="2432775"/>
-              <a:ext cx="224100" cy="1445700"/>
-            </a:xfrm>
-            <a:prstGeom prst="rightBrace">
-              <a:avLst>
-                <a:gd name="adj1" fmla="val 8333"/>
-                <a:gd name="adj2" fmla="val 50000"/>
-              </a:avLst>
-            </a:prstGeom>
-            <a:noFill/>
-            <a:ln w="19050" cap="flat" cmpd="sng">
-              <a:solidFill>
-                <a:schemeClr val="dk2"/>
-              </a:solidFill>
-              <a:prstDash val="solid"/>
-              <a:round/>
-              <a:headEnd type="none" w="sm" len="sm"/>
-              <a:tailEnd type="none" w="sm" len="sm"/>
-            </a:ln>
-          </p:spPr>
-          <p:txBody>
-            <a:bodyPr spcFirstLastPara="1" wrap="square" lIns="91425" tIns="91425" rIns="91425" bIns="91425" anchor="ctr" anchorCtr="0">
-              <a:noAutofit/>
-            </a:bodyPr>
-            <a:lstStyle/>
-            <a:p>
-              <a:pPr marL="0" lvl="0" indent="0" algn="l" rtl="0">
-                <a:spcBef>
-                  <a:spcPts val="0"/>
-                </a:spcBef>
-                <a:spcAft>
-                  <a:spcPts val="0"/>
-                </a:spcAft>
-                <a:buNone/>
-              </a:pPr>
-              <a:endParaRPr>
-                <a:solidFill>
-                  <a:srgbClr val="666666"/>
-                </a:solidFill>
-              </a:endParaRPr>
-            </a:p>
-          </p:txBody>
-        </p:sp>
-        <p:sp>
-          <p:nvSpPr>
-            <p:cNvPr id="67" name="Google Shape;67;p14">
-              <a:extLst>
-                <a:ext uri="{FF2B5EF4-FFF2-40B4-BE49-F238E27FC236}">
-                  <a16:creationId xmlns:a16="http://schemas.microsoft.com/office/drawing/2014/main" id="{C9B48BE8-63B7-3992-FAC7-679C16E9114B}"/>
-                </a:ext>
-              </a:extLst>
-            </p:cNvPr>
-            <p:cNvSpPr txBox="1"/>
-            <p:nvPr/>
-          </p:nvSpPr>
-          <p:spPr>
-            <a:xfrm>
-              <a:off x="6051325" y="2937025"/>
-              <a:ext cx="773100" cy="393600"/>
-            </a:xfrm>
-            <a:prstGeom prst="rect">
-              <a:avLst/>
-            </a:prstGeom>
-            <a:noFill/>
-            <a:ln>
-              <a:noFill/>
-            </a:ln>
-          </p:spPr>
-          <p:txBody>
-            <a:bodyPr spcFirstLastPara="1" wrap="square" lIns="91425" tIns="91425" rIns="91425" bIns="91425" anchor="t" anchorCtr="0">
-              <a:noAutofit/>
-            </a:bodyPr>
-            <a:lstStyle/>
-            <a:p>
-              <a:pPr marL="0" lvl="0" indent="0" algn="l" rtl="0">
-                <a:spcBef>
-                  <a:spcPts val="0"/>
-                </a:spcBef>
-                <a:spcAft>
-                  <a:spcPts val="0"/>
-                </a:spcAft>
-                <a:buNone/>
-              </a:pPr>
-              <a:r>
-                <a:rPr lang="en">
-                  <a:solidFill>
-                    <a:srgbClr val="666666"/>
-                  </a:solidFill>
-                  <a:latin typeface="Rubik"/>
-                  <a:ea typeface="Rubik"/>
-                  <a:cs typeface="Rubik"/>
-                  <a:sym typeface="Rubik"/>
-                </a:rPr>
-                <a:t>TODAY</a:t>
-              </a:r>
-              <a:endParaRPr>
-                <a:solidFill>
-                  <a:srgbClr val="666666"/>
-                </a:solidFill>
-                <a:latin typeface="Rubik"/>
-                <a:ea typeface="Rubik"/>
-                <a:cs typeface="Rubik"/>
-                <a:sym typeface="Rubik"/>
-              </a:endParaRPr>
-            </a:p>
-          </p:txBody>
-        </p:sp>
-      </p:grpSp>
-    </p:spTree>
-    <p:extLst>
-      <p:ext uri="{BB962C8B-B14F-4D97-AF65-F5344CB8AC3E}">
-        <p14:creationId xmlns:p14="http://schemas.microsoft.com/office/powerpoint/2010/main" val="2504584289"/>
-      </p:ext>
-    </p:extLst>
-  </p:cSld>
-  <p:clrMapOvr>
-    <a:masterClrMapping/>
-  </p:clrMapOvr>
-  <p:timing>
-    <p:tnLst>
-      <p:par>
-        <p:cTn id="1" dur="indefinite" restart="never" nodeType="tmRoot">
-          <p:childTnLst>
-            <p:seq concurrent="1" nextAc="seek">
-              <p:cTn id="2" dur="indefinite" nodeType="mainSeq">
-                <p:childTnLst>
-                  <p:par>
-                    <p:cTn id="3" fill="hold">
-                      <p:stCondLst>
-                        <p:cond delay="indefinite"/>
-                      </p:stCondLst>
-                      <p:childTnLst>
-                        <p:par>
-                          <p:cTn id="4" fill="hold">
-                            <p:stCondLst>
-                              <p:cond delay="0"/>
-                            </p:stCondLst>
-                            <p:childTnLst>
-                              <p:par>
-                                <p:cTn id="5" presetID="10" presetClass="entr" presetSubtype="0" fill="hold" nodeType="clickEffect">
-                                  <p:stCondLst>
-                                    <p:cond delay="0"/>
-                                  </p:stCondLst>
-                                  <p:childTnLst>
-                                    <p:set>
-                                      <p:cBhvr>
-                                        <p:cTn id="6" dur="1" fill="hold">
-                                          <p:stCondLst>
-                                            <p:cond delay="0"/>
-                                          </p:stCondLst>
-                                        </p:cTn>
-                                        <p:tgtEl>
-                                          <p:spTgt spid="65"/>
-                                        </p:tgtEl>
-                                        <p:attrNameLst>
-                                          <p:attrName>style.visibility</p:attrName>
-                                        </p:attrNameLst>
-                                      </p:cBhvr>
-                                      <p:to>
-                                        <p:strVal val="visible"/>
-                                      </p:to>
-                                    </p:set>
-                                    <p:animEffect transition="in" filter="fade">
-                                      <p:cBhvr>
-                                        <p:cTn id="7" dur="1"/>
-                                        <p:tgtEl>
-                                          <p:spTgt spid="65"/>
-                                        </p:tgtEl>
-                                      </p:cBhvr>
-                                    </p:animEffect>
-                                  </p:childTnLst>
-                                </p:cTn>
-                              </p:par>
-                            </p:childTnLst>
-                          </p:cTn>
-                        </p:par>
-                      </p:childTnLst>
-                    </p:cTn>
-                  </p:par>
-                </p:childTnLst>
-              </p:cTn>
-              <p:prevCondLst>
-                <p:cond evt="onPrev" delay="0">
-                  <p:tgtEl>
-                    <p:sldTgt/>
-                  </p:tgtEl>
-                </p:cond>
-              </p:prevCondLst>
-              <p:nextCondLst>
-                <p:cond evt="onNext" delay="0">
-                  <p:tgtEl>
-                    <p:sldTgt/>
-                  </p:tgtEl>
-                </p:cond>
-              </p:nextCondLst>
-            </p:seq>
-          </p:childTnLst>
-        </p:cTn>
-      </p:par>
-    </p:tnLst>
-  </p:timing>
-</p:sld>
-</file>
-
-<file path=ppt/slides/slide9.xml><?xml version="1.0" encoding="utf-8"?>
-<p:sld xmlns:a="http://schemas.openxmlformats.org/drawingml/2006/main" xmlns:r="http://schemas.openxmlformats.org/officeDocument/2006/relationships" xmlns:p="http://schemas.openxmlformats.org/presentationml/2006/main">
-  <p:cSld>
-    <p:spTree>
-      <p:nvGrpSpPr>
-        <p:cNvPr id="1" name="Shape 71"/>
-        <p:cNvGrpSpPr/>
-        <p:nvPr/>
-      </p:nvGrpSpPr>
-      <p:grpSpPr>
-        <a:xfrm>
-          <a:off x="0" y="0"/>
-          <a:ext cx="0" cy="0"/>
-          <a:chOff x="0" y="0"/>
-          <a:chExt cx="0" cy="0"/>
-        </a:xfrm>
-      </p:grpSpPr>
-      <p:sp>
-        <p:nvSpPr>
-          <p:cNvPr id="72" name="Google Shape;72;p15"/>
-          <p:cNvSpPr txBox="1">
-            <a:spLocks noGrp="1"/>
-          </p:cNvSpPr>
-          <p:nvPr>
-            <p:ph type="title"/>
-          </p:nvPr>
-        </p:nvSpPr>
-        <p:spPr>
-          <a:xfrm>
-            <a:off x="311700" y="445025"/>
-            <a:ext cx="8520600" cy="572700"/>
-          </a:xfrm>
-          <a:prstGeom prst="rect">
-            <a:avLst/>
-          </a:prstGeom>
-        </p:spPr>
-        <p:txBody>
-          <a:bodyPr spcFirstLastPara="1" wrap="square" lIns="91425" tIns="91425" rIns="91425" bIns="91425" anchor="t" anchorCtr="0">
-            <a:noAutofit/>
-          </a:bodyPr>
-          <a:lstStyle/>
-          <a:p>
-            <a:pPr marL="0" lvl="0" indent="0" algn="l" rtl="0">
-              <a:spcBef>
-                <a:spcPts val="0"/>
-              </a:spcBef>
-              <a:spcAft>
-                <a:spcPts val="0"/>
-              </a:spcAft>
-              <a:buNone/>
-            </a:pPr>
-            <a:r>
-              <a:rPr lang="en"/>
-              <a:t>Outline</a:t>
-            </a:r>
-            <a:endParaRPr/>
-          </a:p>
-        </p:txBody>
-      </p:sp>
-      <p:sp>
-        <p:nvSpPr>
-          <p:cNvPr id="73" name="Google Shape;73;p15"/>
-          <p:cNvSpPr txBox="1">
-            <a:spLocks noGrp="1"/>
-          </p:cNvSpPr>
-          <p:nvPr>
-            <p:ph type="body" idx="1"/>
-          </p:nvPr>
-        </p:nvSpPr>
-        <p:spPr>
-          <a:xfrm>
-            <a:off x="311700" y="1152475"/>
-            <a:ext cx="8520600" cy="3416400"/>
-          </a:xfrm>
-          <a:prstGeom prst="rect">
-            <a:avLst/>
-          </a:prstGeom>
-        </p:spPr>
-        <p:txBody>
-          <a:bodyPr spcFirstLastPara="1" wrap="square" lIns="91425" tIns="91425" rIns="91425" bIns="91425" anchor="t" anchorCtr="0">
-            <a:noAutofit/>
-          </a:bodyPr>
-          <a:lstStyle/>
-          <a:p>
-            <a:pPr marL="0" lvl="0" indent="0" algn="l" rtl="0">
-              <a:spcBef>
-                <a:spcPts val="0"/>
-              </a:spcBef>
-              <a:spcAft>
-                <a:spcPts val="0"/>
-              </a:spcAft>
-              <a:buNone/>
-            </a:pPr>
-            <a:r>
-              <a:rPr lang="en"/>
-              <a:t>Today, we are going to see some examples of different kinds of “words” and some properties of words:</a:t>
-            </a:r>
-            <a:endParaRPr/>
-          </a:p>
-          <a:p>
-            <a:pPr marL="457200" lvl="0" indent="-342900" algn="l" rtl="0">
-              <a:spcBef>
-                <a:spcPts val="1600"/>
-              </a:spcBef>
-              <a:spcAft>
-                <a:spcPts val="0"/>
-              </a:spcAft>
-              <a:buSzPts val="1800"/>
-              <a:buAutoNum type="arabicPeriod"/>
-            </a:pPr>
-            <a:r>
-              <a:rPr lang="en"/>
-              <a:t>Constants</a:t>
-            </a:r>
-            <a:endParaRPr/>
-          </a:p>
-          <a:p>
-            <a:pPr marL="457200" lvl="0" indent="-342900" algn="l" rtl="0">
-              <a:spcBef>
-                <a:spcPts val="0"/>
-              </a:spcBef>
-              <a:spcAft>
-                <a:spcPts val="0"/>
-              </a:spcAft>
-              <a:buSzPts val="1800"/>
-              <a:buAutoNum type="arabicPeriod"/>
-            </a:pPr>
-            <a:r>
-              <a:rPr lang="en"/>
-              <a:t>Variables</a:t>
-            </a:r>
-            <a:endParaRPr/>
-          </a:p>
-          <a:p>
-            <a:pPr marL="457200" lvl="0" indent="-342900" algn="l" rtl="0">
-              <a:spcBef>
-                <a:spcPts val="0"/>
-              </a:spcBef>
-              <a:spcAft>
-                <a:spcPts val="0"/>
-              </a:spcAft>
-              <a:buSzPts val="1800"/>
-              <a:buAutoNum type="arabicPeriod"/>
-            </a:pPr>
-            <a:r>
-              <a:rPr lang="en"/>
-              <a:t>Reserved  words</a:t>
-            </a:r>
-            <a:endParaRPr/>
-          </a:p>
-          <a:p>
-            <a:pPr marL="457200" lvl="0" indent="-342900" algn="l" rtl="0">
-              <a:spcBef>
-                <a:spcPts val="0"/>
-              </a:spcBef>
-              <a:spcAft>
-                <a:spcPts val="0"/>
-              </a:spcAft>
-              <a:buSzPts val="1800"/>
-              <a:buAutoNum type="arabicPeriod"/>
-            </a:pPr>
-            <a:r>
-              <a:rPr lang="en"/>
-              <a:t>Operators</a:t>
-            </a:r>
-            <a:endParaRPr/>
-          </a:p>
-          <a:p>
-            <a:pPr marL="457200" lvl="0" indent="-342900" algn="l" rtl="0">
-              <a:spcBef>
-                <a:spcPts val="0"/>
-              </a:spcBef>
-              <a:spcAft>
-                <a:spcPts val="0"/>
-              </a:spcAft>
-              <a:buSzPts val="1800"/>
-              <a:buAutoNum type="arabicPeriod"/>
-            </a:pPr>
-            <a:r>
-              <a:rPr lang="en"/>
-              <a:t>Data types</a:t>
-            </a:r>
-            <a:endParaRPr/>
-          </a:p>
-          <a:p>
-            <a:pPr marL="457200" lvl="0" indent="-342900" algn="l" rtl="0">
-              <a:spcBef>
-                <a:spcPts val="0"/>
-              </a:spcBef>
-              <a:spcAft>
-                <a:spcPts val="0"/>
-              </a:spcAft>
-              <a:buSzPts val="1800"/>
-              <a:buAutoNum type="arabicPeriod"/>
-            </a:pPr>
-            <a:r>
-              <a:rPr lang="en"/>
-              <a:t>Built-in functions</a:t>
-            </a:r>
-            <a:endParaRPr/>
-          </a:p>
-          <a:p>
-            <a:pPr marL="457200" lvl="0" indent="-342900" algn="l" rtl="0">
-              <a:spcBef>
-                <a:spcPts val="0"/>
-              </a:spcBef>
-              <a:spcAft>
-                <a:spcPts val="0"/>
-              </a:spcAft>
-              <a:buSzPts val="1800"/>
-              <a:buAutoNum type="arabicPeriod"/>
-            </a:pPr>
-            <a:r>
-              <a:rPr lang="en"/>
-              <a:t>Comments</a:t>
-            </a:r>
-            <a:endParaRPr/>
-          </a:p>
-        </p:txBody>
-      </p:sp>
-      <p:sp>
-        <p:nvSpPr>
-          <p:cNvPr id="74" name="Google Shape;74;p15"/>
-          <p:cNvSpPr txBox="1">
-            <a:spLocks noGrp="1"/>
-          </p:cNvSpPr>
-          <p:nvPr>
-            <p:ph type="sldNum" idx="12"/>
-          </p:nvPr>
-        </p:nvSpPr>
-        <p:spPr>
-          <a:xfrm>
-            <a:off x="8472458" y="4663217"/>
-            <a:ext cx="548700" cy="393600"/>
-          </a:xfrm>
-          <a:prstGeom prst="rect">
-            <a:avLst/>
-          </a:prstGeom>
-        </p:spPr>
-        <p:txBody>
-          <a:bodyPr spcFirstLastPara="1" wrap="square" lIns="91425" tIns="91425" rIns="91425" bIns="91425" anchor="ctr" anchorCtr="0">
-            <a:noAutofit/>
-          </a:bodyPr>
-          <a:lstStyle/>
-          <a:p>
-            <a:pPr marL="0" lvl="0" indent="0" algn="r" rtl="0">
-              <a:spcBef>
-                <a:spcPts val="0"/>
-              </a:spcBef>
-              <a:spcAft>
-                <a:spcPts val="0"/>
-              </a:spcAft>
-              <a:buClr>
-                <a:srgbClr val="000000"/>
-              </a:buClr>
-              <a:buSzPts val="1100"/>
-              <a:buFont typeface="Arial"/>
-              <a:buNone/>
-            </a:pPr>
-            <a:fld id="{00000000-1234-1234-1234-123412341234}" type="slidenum">
-              <a:rPr lang="en"/>
-              <a:t>9</a:t>
-            </a:fld>
-            <a:endParaRPr/>
-          </a:p>
-        </p:txBody>
-      </p:sp>
-    </p:spTree>
-  </p:cSld>
-  <p:clrMapOvr>
-    <a:masterClrMapping/>
-  </p:clrMapOvr>
 </p:sld>
 </file>
 
